--- a/presentation.pptx
+++ b/presentation.pptx
@@ -4,6 +4,9 @@
   <p:sldMasterIdLst>
     <p:sldMasterId id="2147483660" r:id="rId1"/>
   </p:sldMasterIdLst>
+  <p:notesMasterIdLst>
+    <p:notesMasterId r:id="rId14"/>
+  </p:notesMasterIdLst>
   <p:sldIdLst>
     <p:sldId id="256" r:id="rId2"/>
     <p:sldId id="260" r:id="rId3"/>
@@ -13,7 +16,10 @@
     <p:sldId id="261" r:id="rId7"/>
     <p:sldId id="262" r:id="rId8"/>
     <p:sldId id="263" r:id="rId9"/>
-    <p:sldId id="264" r:id="rId10"/>
+    <p:sldId id="265" r:id="rId10"/>
+    <p:sldId id="264" r:id="rId11"/>
+    <p:sldId id="266" r:id="rId12"/>
+    <p:sldId id="267" r:id="rId13"/>
   </p:sldIdLst>
   <p:sldSz cx="12192000" cy="6858000"/>
   <p:notesSz cx="6858000" cy="9144000"/>
@@ -174,6 +180,1306 @@
 </inkml:ink>
 </file>
 
+<file path=ppt/notesMasters/notesMaster1.xml><?xml version="1.0" encoding="utf-8"?>
+<p:notesMaster xmlns:a="http://schemas.openxmlformats.org/drawingml/2006/main" xmlns:r="http://schemas.openxmlformats.org/officeDocument/2006/relationships" xmlns:p="http://schemas.openxmlformats.org/presentationml/2006/main">
+  <p:cSld>
+    <p:bg>
+      <p:bgRef idx="1001">
+        <a:schemeClr val="bg1"/>
+      </p:bgRef>
+    </p:bg>
+    <p:spTree>
+      <p:nvGrpSpPr>
+        <p:cNvPr id="1" name=""/>
+        <p:cNvGrpSpPr/>
+        <p:nvPr/>
+      </p:nvGrpSpPr>
+      <p:grpSpPr>
+        <a:xfrm>
+          <a:off x="0" y="0"/>
+          <a:ext cx="0" cy="0"/>
+          <a:chOff x="0" y="0"/>
+          <a:chExt cx="0" cy="0"/>
+        </a:xfrm>
+      </p:grpSpPr>
+      <p:sp>
+        <p:nvSpPr>
+          <p:cNvPr id="2" name="Header Placeholder 1"/>
+          <p:cNvSpPr>
+            <a:spLocks noGrp="1"/>
+          </p:cNvSpPr>
+          <p:nvPr>
+            <p:ph type="hdr" sz="quarter"/>
+          </p:nvPr>
+        </p:nvSpPr>
+        <p:spPr>
+          <a:xfrm>
+            <a:off x="0" y="0"/>
+            <a:ext cx="2971800" cy="458788"/>
+          </a:xfrm>
+          <a:prstGeom prst="rect">
+            <a:avLst/>
+          </a:prstGeom>
+        </p:spPr>
+        <p:txBody>
+          <a:bodyPr vert="horz" lIns="91440" tIns="45720" rIns="91440" bIns="45720" rtlCol="0"/>
+          <a:lstStyle>
+            <a:lvl1pPr algn="l">
+              <a:defRPr sz="1200"/>
+            </a:lvl1pPr>
+          </a:lstStyle>
+          <a:p>
+            <a:endParaRPr lang="en-US"/>
+          </a:p>
+        </p:txBody>
+      </p:sp>
+      <p:sp>
+        <p:nvSpPr>
+          <p:cNvPr id="3" name="Date Placeholder 2"/>
+          <p:cNvSpPr>
+            <a:spLocks noGrp="1"/>
+          </p:cNvSpPr>
+          <p:nvPr>
+            <p:ph type="dt" idx="1"/>
+          </p:nvPr>
+        </p:nvSpPr>
+        <p:spPr>
+          <a:xfrm>
+            <a:off x="3884613" y="0"/>
+            <a:ext cx="2971800" cy="458788"/>
+          </a:xfrm>
+          <a:prstGeom prst="rect">
+            <a:avLst/>
+          </a:prstGeom>
+        </p:spPr>
+        <p:txBody>
+          <a:bodyPr vert="horz" lIns="91440" tIns="45720" rIns="91440" bIns="45720" rtlCol="0"/>
+          <a:lstStyle>
+            <a:lvl1pPr algn="r">
+              <a:defRPr sz="1200"/>
+            </a:lvl1pPr>
+          </a:lstStyle>
+          <a:p>
+            <a:fld id="{F4C5B367-68B3-4C81-B671-550B55F19B3F}" type="datetimeFigureOut">
+              <a:rPr lang="en-US" smtClean="0"/>
+              <a:t>6/26/2022</a:t>
+            </a:fld>
+            <a:endParaRPr lang="en-US"/>
+          </a:p>
+        </p:txBody>
+      </p:sp>
+      <p:sp>
+        <p:nvSpPr>
+          <p:cNvPr id="4" name="Slide Image Placeholder 3"/>
+          <p:cNvSpPr>
+            <a:spLocks noGrp="1" noRot="1" noChangeAspect="1"/>
+          </p:cNvSpPr>
+          <p:nvPr>
+            <p:ph type="sldImg" idx="2"/>
+          </p:nvPr>
+        </p:nvSpPr>
+        <p:spPr>
+          <a:xfrm>
+            <a:off x="685800" y="1143000"/>
+            <a:ext cx="5486400" cy="3086100"/>
+          </a:xfrm>
+          <a:prstGeom prst="rect">
+            <a:avLst/>
+          </a:prstGeom>
+          <a:noFill/>
+          <a:ln w="12700">
+            <a:solidFill>
+              <a:prstClr val="black"/>
+            </a:solidFill>
+          </a:ln>
+        </p:spPr>
+        <p:txBody>
+          <a:bodyPr vert="horz" lIns="91440" tIns="45720" rIns="91440" bIns="45720" rtlCol="0" anchor="ctr"/>
+          <a:lstStyle/>
+          <a:p>
+            <a:endParaRPr lang="en-US"/>
+          </a:p>
+        </p:txBody>
+      </p:sp>
+      <p:sp>
+        <p:nvSpPr>
+          <p:cNvPr id="5" name="Notes Placeholder 4"/>
+          <p:cNvSpPr>
+            <a:spLocks noGrp="1"/>
+          </p:cNvSpPr>
+          <p:nvPr>
+            <p:ph type="body" sz="quarter" idx="3"/>
+          </p:nvPr>
+        </p:nvSpPr>
+        <p:spPr>
+          <a:xfrm>
+            <a:off x="685800" y="4400550"/>
+            <a:ext cx="5486400" cy="3600450"/>
+          </a:xfrm>
+          <a:prstGeom prst="rect">
+            <a:avLst/>
+          </a:prstGeom>
+        </p:spPr>
+        <p:txBody>
+          <a:bodyPr vert="horz" lIns="91440" tIns="45720" rIns="91440" bIns="45720" rtlCol="0"/>
+          <a:lstStyle/>
+          <a:p>
+            <a:pPr lvl="0"/>
+            <a:r>
+              <a:rPr lang="en-US"/>
+              <a:t>Click to edit Master text styles</a:t>
+            </a:r>
+          </a:p>
+          <a:p>
+            <a:pPr lvl="1"/>
+            <a:r>
+              <a:rPr lang="en-US"/>
+              <a:t>Second level</a:t>
+            </a:r>
+          </a:p>
+          <a:p>
+            <a:pPr lvl="2"/>
+            <a:r>
+              <a:rPr lang="en-US"/>
+              <a:t>Third level</a:t>
+            </a:r>
+          </a:p>
+          <a:p>
+            <a:pPr lvl="3"/>
+            <a:r>
+              <a:rPr lang="en-US"/>
+              <a:t>Fourth level</a:t>
+            </a:r>
+          </a:p>
+          <a:p>
+            <a:pPr lvl="4"/>
+            <a:r>
+              <a:rPr lang="en-US"/>
+              <a:t>Fifth level</a:t>
+            </a:r>
+          </a:p>
+        </p:txBody>
+      </p:sp>
+      <p:sp>
+        <p:nvSpPr>
+          <p:cNvPr id="6" name="Footer Placeholder 5"/>
+          <p:cNvSpPr>
+            <a:spLocks noGrp="1"/>
+          </p:cNvSpPr>
+          <p:nvPr>
+            <p:ph type="ftr" sz="quarter" idx="4"/>
+          </p:nvPr>
+        </p:nvSpPr>
+        <p:spPr>
+          <a:xfrm>
+            <a:off x="0" y="8685213"/>
+            <a:ext cx="2971800" cy="458787"/>
+          </a:xfrm>
+          <a:prstGeom prst="rect">
+            <a:avLst/>
+          </a:prstGeom>
+        </p:spPr>
+        <p:txBody>
+          <a:bodyPr vert="horz" lIns="91440" tIns="45720" rIns="91440" bIns="45720" rtlCol="0" anchor="b"/>
+          <a:lstStyle>
+            <a:lvl1pPr algn="l">
+              <a:defRPr sz="1200"/>
+            </a:lvl1pPr>
+          </a:lstStyle>
+          <a:p>
+            <a:endParaRPr lang="en-US"/>
+          </a:p>
+        </p:txBody>
+      </p:sp>
+      <p:sp>
+        <p:nvSpPr>
+          <p:cNvPr id="7" name="Slide Number Placeholder 6"/>
+          <p:cNvSpPr>
+            <a:spLocks noGrp="1"/>
+          </p:cNvSpPr>
+          <p:nvPr>
+            <p:ph type="sldNum" sz="quarter" idx="5"/>
+          </p:nvPr>
+        </p:nvSpPr>
+        <p:spPr>
+          <a:xfrm>
+            <a:off x="3884613" y="8685213"/>
+            <a:ext cx="2971800" cy="458787"/>
+          </a:xfrm>
+          <a:prstGeom prst="rect">
+            <a:avLst/>
+          </a:prstGeom>
+        </p:spPr>
+        <p:txBody>
+          <a:bodyPr vert="horz" lIns="91440" tIns="45720" rIns="91440" bIns="45720" rtlCol="0" anchor="b"/>
+          <a:lstStyle>
+            <a:lvl1pPr algn="r">
+              <a:defRPr sz="1200"/>
+            </a:lvl1pPr>
+          </a:lstStyle>
+          <a:p>
+            <a:fld id="{4BC79531-D0FF-4B20-8BD0-D99E8D47E070}" type="slidenum">
+              <a:rPr lang="en-US" smtClean="0"/>
+              <a:t>‹#›</a:t>
+            </a:fld>
+            <a:endParaRPr lang="en-US"/>
+          </a:p>
+        </p:txBody>
+      </p:sp>
+    </p:spTree>
+    <p:extLst>
+      <p:ext uri="{BB962C8B-B14F-4D97-AF65-F5344CB8AC3E}">
+        <p14:creationId xmlns:p14="http://schemas.microsoft.com/office/powerpoint/2010/main" val="576745379"/>
+      </p:ext>
+    </p:extLst>
+  </p:cSld>
+  <p:clrMap bg1="lt1" tx1="dk1" bg2="lt2" tx2="dk2" accent1="accent1" accent2="accent2" accent3="accent3" accent4="accent4" accent5="accent5" accent6="accent6" hlink="hlink" folHlink="folHlink"/>
+  <p:notesStyle>
+    <a:lvl1pPr marL="0" algn="l" defTabSz="914400" rtl="0" eaLnBrk="1" latinLnBrk="0" hangingPunct="1">
+      <a:defRPr sz="1200" kern="1200">
+        <a:solidFill>
+          <a:schemeClr val="tx1"/>
+        </a:solidFill>
+        <a:latin typeface="+mn-lt"/>
+        <a:ea typeface="+mn-ea"/>
+        <a:cs typeface="+mn-cs"/>
+      </a:defRPr>
+    </a:lvl1pPr>
+    <a:lvl2pPr marL="457200" algn="l" defTabSz="914400" rtl="0" eaLnBrk="1" latinLnBrk="0" hangingPunct="1">
+      <a:defRPr sz="1200" kern="1200">
+        <a:solidFill>
+          <a:schemeClr val="tx1"/>
+        </a:solidFill>
+        <a:latin typeface="+mn-lt"/>
+        <a:ea typeface="+mn-ea"/>
+        <a:cs typeface="+mn-cs"/>
+      </a:defRPr>
+    </a:lvl2pPr>
+    <a:lvl3pPr marL="914400" algn="l" defTabSz="914400" rtl="0" eaLnBrk="1" latinLnBrk="0" hangingPunct="1">
+      <a:defRPr sz="1200" kern="1200">
+        <a:solidFill>
+          <a:schemeClr val="tx1"/>
+        </a:solidFill>
+        <a:latin typeface="+mn-lt"/>
+        <a:ea typeface="+mn-ea"/>
+        <a:cs typeface="+mn-cs"/>
+      </a:defRPr>
+    </a:lvl3pPr>
+    <a:lvl4pPr marL="1371600" algn="l" defTabSz="914400" rtl="0" eaLnBrk="1" latinLnBrk="0" hangingPunct="1">
+      <a:defRPr sz="1200" kern="1200">
+        <a:solidFill>
+          <a:schemeClr val="tx1"/>
+        </a:solidFill>
+        <a:latin typeface="+mn-lt"/>
+        <a:ea typeface="+mn-ea"/>
+        <a:cs typeface="+mn-cs"/>
+      </a:defRPr>
+    </a:lvl4pPr>
+    <a:lvl5pPr marL="1828800" algn="l" defTabSz="914400" rtl="0" eaLnBrk="1" latinLnBrk="0" hangingPunct="1">
+      <a:defRPr sz="1200" kern="1200">
+        <a:solidFill>
+          <a:schemeClr val="tx1"/>
+        </a:solidFill>
+        <a:latin typeface="+mn-lt"/>
+        <a:ea typeface="+mn-ea"/>
+        <a:cs typeface="+mn-cs"/>
+      </a:defRPr>
+    </a:lvl5pPr>
+    <a:lvl6pPr marL="2286000" algn="l" defTabSz="914400" rtl="0" eaLnBrk="1" latinLnBrk="0" hangingPunct="1">
+      <a:defRPr sz="1200" kern="1200">
+        <a:solidFill>
+          <a:schemeClr val="tx1"/>
+        </a:solidFill>
+        <a:latin typeface="+mn-lt"/>
+        <a:ea typeface="+mn-ea"/>
+        <a:cs typeface="+mn-cs"/>
+      </a:defRPr>
+    </a:lvl6pPr>
+    <a:lvl7pPr marL="2743200" algn="l" defTabSz="914400" rtl="0" eaLnBrk="1" latinLnBrk="0" hangingPunct="1">
+      <a:defRPr sz="1200" kern="1200">
+        <a:solidFill>
+          <a:schemeClr val="tx1"/>
+        </a:solidFill>
+        <a:latin typeface="+mn-lt"/>
+        <a:ea typeface="+mn-ea"/>
+        <a:cs typeface="+mn-cs"/>
+      </a:defRPr>
+    </a:lvl7pPr>
+    <a:lvl8pPr marL="3200400" algn="l" defTabSz="914400" rtl="0" eaLnBrk="1" latinLnBrk="0" hangingPunct="1">
+      <a:defRPr sz="1200" kern="1200">
+        <a:solidFill>
+          <a:schemeClr val="tx1"/>
+        </a:solidFill>
+        <a:latin typeface="+mn-lt"/>
+        <a:ea typeface="+mn-ea"/>
+        <a:cs typeface="+mn-cs"/>
+      </a:defRPr>
+    </a:lvl8pPr>
+    <a:lvl9pPr marL="3657600" algn="l" defTabSz="914400" rtl="0" eaLnBrk="1" latinLnBrk="0" hangingPunct="1">
+      <a:defRPr sz="1200" kern="1200">
+        <a:solidFill>
+          <a:schemeClr val="tx1"/>
+        </a:solidFill>
+        <a:latin typeface="+mn-lt"/>
+        <a:ea typeface="+mn-ea"/>
+        <a:cs typeface="+mn-cs"/>
+      </a:defRPr>
+    </a:lvl9pPr>
+  </p:notesStyle>
+</p:notesMaster>
+</file>
+
+<file path=ppt/notesSlides/notesSlide1.xml><?xml version="1.0" encoding="utf-8"?>
+<p:notes xmlns:a="http://schemas.openxmlformats.org/drawingml/2006/main" xmlns:r="http://schemas.openxmlformats.org/officeDocument/2006/relationships" xmlns:p="http://schemas.openxmlformats.org/presentationml/2006/main">
+  <p:cSld>
+    <p:spTree>
+      <p:nvGrpSpPr>
+        <p:cNvPr id="1" name=""/>
+        <p:cNvGrpSpPr/>
+        <p:nvPr/>
+      </p:nvGrpSpPr>
+      <p:grpSpPr>
+        <a:xfrm>
+          <a:off x="0" y="0"/>
+          <a:ext cx="0" cy="0"/>
+          <a:chOff x="0" y="0"/>
+          <a:chExt cx="0" cy="0"/>
+        </a:xfrm>
+      </p:grpSpPr>
+      <p:sp>
+        <p:nvSpPr>
+          <p:cNvPr id="2" name="Slide Image Placeholder 1"/>
+          <p:cNvSpPr>
+            <a:spLocks noGrp="1" noRot="1" noChangeAspect="1"/>
+          </p:cNvSpPr>
+          <p:nvPr>
+            <p:ph type="sldImg"/>
+          </p:nvPr>
+        </p:nvSpPr>
+        <p:spPr/>
+      </p:sp>
+      <p:sp>
+        <p:nvSpPr>
+          <p:cNvPr id="3" name="Notes Placeholder 2"/>
+          <p:cNvSpPr>
+            <a:spLocks noGrp="1"/>
+          </p:cNvSpPr>
+          <p:nvPr>
+            <p:ph type="body" idx="1"/>
+          </p:nvPr>
+        </p:nvSpPr>
+        <p:spPr/>
+        <p:txBody>
+          <a:bodyPr/>
+          <a:lstStyle/>
+          <a:p>
+            <a:endParaRPr lang="en-US" dirty="0"/>
+          </a:p>
+        </p:txBody>
+      </p:sp>
+      <p:sp>
+        <p:nvSpPr>
+          <p:cNvPr id="4" name="Slide Number Placeholder 3"/>
+          <p:cNvSpPr>
+            <a:spLocks noGrp="1"/>
+          </p:cNvSpPr>
+          <p:nvPr>
+            <p:ph type="sldNum" sz="quarter" idx="5"/>
+          </p:nvPr>
+        </p:nvSpPr>
+        <p:spPr/>
+        <p:txBody>
+          <a:bodyPr/>
+          <a:lstStyle/>
+          <a:p>
+            <a:fld id="{4BC79531-D0FF-4B20-8BD0-D99E8D47E070}" type="slidenum">
+              <a:rPr lang="en-US" smtClean="0"/>
+              <a:t>1</a:t>
+            </a:fld>
+            <a:endParaRPr lang="en-US"/>
+          </a:p>
+        </p:txBody>
+      </p:sp>
+    </p:spTree>
+    <p:extLst>
+      <p:ext uri="{BB962C8B-B14F-4D97-AF65-F5344CB8AC3E}">
+        <p14:creationId xmlns:p14="http://schemas.microsoft.com/office/powerpoint/2010/main" val="2576681322"/>
+      </p:ext>
+    </p:extLst>
+  </p:cSld>
+  <p:clrMapOvr>
+    <a:masterClrMapping/>
+  </p:clrMapOvr>
+</p:notes>
+</file>
+
+<file path=ppt/notesSlides/notesSlide2.xml><?xml version="1.0" encoding="utf-8"?>
+<p:notes xmlns:a="http://schemas.openxmlformats.org/drawingml/2006/main" xmlns:r="http://schemas.openxmlformats.org/officeDocument/2006/relationships" xmlns:p="http://schemas.openxmlformats.org/presentationml/2006/main">
+  <p:cSld>
+    <p:spTree>
+      <p:nvGrpSpPr>
+        <p:cNvPr id="1" name=""/>
+        <p:cNvGrpSpPr/>
+        <p:nvPr/>
+      </p:nvGrpSpPr>
+      <p:grpSpPr>
+        <a:xfrm>
+          <a:off x="0" y="0"/>
+          <a:ext cx="0" cy="0"/>
+          <a:chOff x="0" y="0"/>
+          <a:chExt cx="0" cy="0"/>
+        </a:xfrm>
+      </p:grpSpPr>
+      <p:sp>
+        <p:nvSpPr>
+          <p:cNvPr id="2" name="Slide Image Placeholder 1"/>
+          <p:cNvSpPr>
+            <a:spLocks noGrp="1" noRot="1" noChangeAspect="1"/>
+          </p:cNvSpPr>
+          <p:nvPr>
+            <p:ph type="sldImg"/>
+          </p:nvPr>
+        </p:nvSpPr>
+        <p:spPr/>
+      </p:sp>
+      <p:sp>
+        <p:nvSpPr>
+          <p:cNvPr id="3" name="Notes Placeholder 2"/>
+          <p:cNvSpPr>
+            <a:spLocks noGrp="1"/>
+          </p:cNvSpPr>
+          <p:nvPr>
+            <p:ph type="body" idx="1"/>
+          </p:nvPr>
+        </p:nvSpPr>
+        <p:spPr/>
+        <p:txBody>
+          <a:bodyPr/>
+          <a:lstStyle/>
+          <a:p>
+            <a:r>
+              <a:rPr lang="en-US" dirty="0"/>
+              <a:t>I chose this project for a number of reasons:</a:t>
+            </a:r>
+          </a:p>
+          <a:p>
+            <a:endParaRPr lang="en-US" dirty="0"/>
+          </a:p>
+          <a:p>
+            <a:r>
+              <a:rPr lang="en-US" dirty="0"/>
+              <a:t>The first was primarily personal interest and a general sense of curiosity. As a resident of Davidson County I have a vested interest in the safety of my neighborhood, and as we all were and are impacted by COVID, combining the two seemed interesting</a:t>
+            </a:r>
+          </a:p>
+          <a:p>
+            <a:endParaRPr lang="en-US" dirty="0"/>
+          </a:p>
+          <a:p>
+            <a:r>
+              <a:rPr lang="en-US" dirty="0"/>
+              <a:t>Second was data availability and recency. I chose data sets that were readily available from trustworthy sources, included enough information to establish a baseline for this project, and had complete enough data to form a story. However, this data presented several challenges as we’ll see in a few slides. I felt the sheer size of the data set and the necessity for cleaning the data would allow me to stretch myself personally with the tools we’ve utilized in this course; those tools, in this case, were Excel, SQL, and Power BI. </a:t>
+            </a:r>
+          </a:p>
+          <a:p>
+            <a:endParaRPr lang="en-US" dirty="0"/>
+          </a:p>
+          <a:p>
+            <a:r>
+              <a:rPr lang="en-US" dirty="0"/>
+              <a:t>Let’s review the sources of that that were used, and those challenges I was presented with along the way. </a:t>
+            </a:r>
+          </a:p>
+        </p:txBody>
+      </p:sp>
+      <p:sp>
+        <p:nvSpPr>
+          <p:cNvPr id="4" name="Slide Number Placeholder 3"/>
+          <p:cNvSpPr>
+            <a:spLocks noGrp="1"/>
+          </p:cNvSpPr>
+          <p:nvPr>
+            <p:ph type="sldNum" sz="quarter" idx="5"/>
+          </p:nvPr>
+        </p:nvSpPr>
+        <p:spPr/>
+        <p:txBody>
+          <a:bodyPr/>
+          <a:lstStyle/>
+          <a:p>
+            <a:fld id="{4BC79531-D0FF-4B20-8BD0-D99E8D47E070}" type="slidenum">
+              <a:rPr lang="en-US" smtClean="0"/>
+              <a:t>2</a:t>
+            </a:fld>
+            <a:endParaRPr lang="en-US"/>
+          </a:p>
+        </p:txBody>
+      </p:sp>
+    </p:spTree>
+    <p:extLst>
+      <p:ext uri="{BB962C8B-B14F-4D97-AF65-F5344CB8AC3E}">
+        <p14:creationId xmlns:p14="http://schemas.microsoft.com/office/powerpoint/2010/main" val="317068470"/>
+      </p:ext>
+    </p:extLst>
+  </p:cSld>
+  <p:clrMapOvr>
+    <a:masterClrMapping/>
+  </p:clrMapOvr>
+</p:notes>
+</file>
+
+<file path=ppt/notesSlides/notesSlide3.xml><?xml version="1.0" encoding="utf-8"?>
+<p:notes xmlns:a="http://schemas.openxmlformats.org/drawingml/2006/main" xmlns:r="http://schemas.openxmlformats.org/officeDocument/2006/relationships" xmlns:p="http://schemas.openxmlformats.org/presentationml/2006/main">
+  <p:cSld>
+    <p:spTree>
+      <p:nvGrpSpPr>
+        <p:cNvPr id="1" name=""/>
+        <p:cNvGrpSpPr/>
+        <p:nvPr/>
+      </p:nvGrpSpPr>
+      <p:grpSpPr>
+        <a:xfrm>
+          <a:off x="0" y="0"/>
+          <a:ext cx="0" cy="0"/>
+          <a:chOff x="0" y="0"/>
+          <a:chExt cx="0" cy="0"/>
+        </a:xfrm>
+      </p:grpSpPr>
+      <p:sp>
+        <p:nvSpPr>
+          <p:cNvPr id="2" name="Slide Image Placeholder 1"/>
+          <p:cNvSpPr>
+            <a:spLocks noGrp="1" noRot="1" noChangeAspect="1"/>
+          </p:cNvSpPr>
+          <p:nvPr>
+            <p:ph type="sldImg"/>
+          </p:nvPr>
+        </p:nvSpPr>
+        <p:spPr/>
+      </p:sp>
+      <p:sp>
+        <p:nvSpPr>
+          <p:cNvPr id="3" name="Notes Placeholder 2"/>
+          <p:cNvSpPr>
+            <a:spLocks noGrp="1"/>
+          </p:cNvSpPr>
+          <p:nvPr>
+            <p:ph type="body" idx="1"/>
+          </p:nvPr>
+        </p:nvSpPr>
+        <p:spPr/>
+        <p:txBody>
+          <a:bodyPr/>
+          <a:lstStyle/>
+          <a:p>
+            <a:r>
+              <a:rPr lang="en-US" dirty="0"/>
+              <a:t>Here I’ve defined a few key terms I’ll use throughout this presentation. </a:t>
+            </a:r>
+          </a:p>
+        </p:txBody>
+      </p:sp>
+      <p:sp>
+        <p:nvSpPr>
+          <p:cNvPr id="4" name="Slide Number Placeholder 3"/>
+          <p:cNvSpPr>
+            <a:spLocks noGrp="1"/>
+          </p:cNvSpPr>
+          <p:nvPr>
+            <p:ph type="sldNum" sz="quarter" idx="5"/>
+          </p:nvPr>
+        </p:nvSpPr>
+        <p:spPr/>
+        <p:txBody>
+          <a:bodyPr/>
+          <a:lstStyle/>
+          <a:p>
+            <a:fld id="{4BC79531-D0FF-4B20-8BD0-D99E8D47E070}" type="slidenum">
+              <a:rPr lang="en-US" smtClean="0"/>
+              <a:t>5</a:t>
+            </a:fld>
+            <a:endParaRPr lang="en-US"/>
+          </a:p>
+        </p:txBody>
+      </p:sp>
+    </p:spTree>
+    <p:extLst>
+      <p:ext uri="{BB962C8B-B14F-4D97-AF65-F5344CB8AC3E}">
+        <p14:creationId xmlns:p14="http://schemas.microsoft.com/office/powerpoint/2010/main" val="2593406778"/>
+      </p:ext>
+    </p:extLst>
+  </p:cSld>
+  <p:clrMapOvr>
+    <a:masterClrMapping/>
+  </p:clrMapOvr>
+</p:notes>
+</file>
+
+<file path=ppt/notesSlides/notesSlide4.xml><?xml version="1.0" encoding="utf-8"?>
+<p:notes xmlns:a="http://schemas.openxmlformats.org/drawingml/2006/main" xmlns:r="http://schemas.openxmlformats.org/officeDocument/2006/relationships" xmlns:p="http://schemas.openxmlformats.org/presentationml/2006/main">
+  <p:cSld>
+    <p:spTree>
+      <p:nvGrpSpPr>
+        <p:cNvPr id="1" name=""/>
+        <p:cNvGrpSpPr/>
+        <p:nvPr/>
+      </p:nvGrpSpPr>
+      <p:grpSpPr>
+        <a:xfrm>
+          <a:off x="0" y="0"/>
+          <a:ext cx="0" cy="0"/>
+          <a:chOff x="0" y="0"/>
+          <a:chExt cx="0" cy="0"/>
+        </a:xfrm>
+      </p:grpSpPr>
+      <p:sp>
+        <p:nvSpPr>
+          <p:cNvPr id="2" name="Slide Image Placeholder 1"/>
+          <p:cNvSpPr>
+            <a:spLocks noGrp="1" noRot="1" noChangeAspect="1"/>
+          </p:cNvSpPr>
+          <p:nvPr>
+            <p:ph type="sldImg"/>
+          </p:nvPr>
+        </p:nvSpPr>
+        <p:spPr/>
+      </p:sp>
+      <p:sp>
+        <p:nvSpPr>
+          <p:cNvPr id="3" name="Notes Placeholder 2"/>
+          <p:cNvSpPr>
+            <a:spLocks noGrp="1"/>
+          </p:cNvSpPr>
+          <p:nvPr>
+            <p:ph type="body" idx="1"/>
+          </p:nvPr>
+        </p:nvSpPr>
+        <p:spPr/>
+        <p:txBody>
+          <a:bodyPr/>
+          <a:lstStyle/>
+          <a:p>
+            <a:r>
+              <a:rPr lang="en-US" dirty="0"/>
+              <a:t>I’ll start with a high-level overview of trends in both criminal activity, our top line chart, along with an overlay of criminal activity and COVID-19 cases. </a:t>
+            </a:r>
+          </a:p>
+          <a:p>
+            <a:endParaRPr lang="en-US" dirty="0"/>
+          </a:p>
+          <a:p>
+            <a:r>
+              <a:rPr lang="en-US" dirty="0"/>
+              <a:t>This data is live and embedded from Power BI, so refreshes may take just a moment. </a:t>
+            </a:r>
+          </a:p>
+          <a:p>
+            <a:endParaRPr lang="en-US" dirty="0"/>
+          </a:p>
+          <a:p>
+            <a:r>
+              <a:rPr lang="en-US" dirty="0"/>
+              <a:t>Defining here the period of “pre-covid” as 2015 – 2019, and Covid19 as 2020 – 2022, there is a 6.9% decline in criminal incidents per month during the COVID-19 period. I’ll caution here that this does not necessarily indicate causation. In this slide and those that follow, we’ll review potential drivers of this decline. </a:t>
+            </a:r>
+          </a:p>
+          <a:p>
+            <a:endParaRPr lang="en-US" dirty="0"/>
+          </a:p>
+          <a:p>
+            <a:r>
+              <a:rPr lang="en-US" dirty="0"/>
+              <a:t>To understand changes in crime during this period, I’ve established a baseline of 4 years here. There are notable similarities yearly; as an example, there are sharp decreases in crime in February of each year. In fact, for each year from 2015 – 2019, February is the month with the least number of incidents per Month. In 2020, the first year of COVID, that trend shifts, and March and April see less criminal incidents than February. </a:t>
+            </a:r>
+          </a:p>
+          <a:p>
+            <a:endParaRPr lang="en-US" dirty="0"/>
+          </a:p>
+          <a:p>
+            <a:r>
+              <a:rPr lang="en-US" dirty="0"/>
+              <a:t>However, you’ll also notice a downward trend in criminal incidents by month and year starting in 2019. So while there may be a correlation in the decrease in crime and COVID-19, this seems to be driven mostly by “stay at home events” </a:t>
+            </a:r>
+          </a:p>
+          <a:p>
+            <a:endParaRPr lang="en-US" dirty="0"/>
+          </a:p>
+          <a:p>
+            <a:r>
+              <a:rPr lang="en-US" dirty="0"/>
+              <a:t>In late March, 2020, the Governor issued Nashville’s “safer at home” plan, coinciding with the shutdown of most public establishments – gyms, restaurants, bars, schools, etc. This is likely the driving cause of the lower incidents in March and April of 2020. </a:t>
+            </a:r>
+          </a:p>
+          <a:p>
+            <a:endParaRPr lang="en-US" dirty="0"/>
+          </a:p>
+          <a:p>
+            <a:r>
+              <a:rPr lang="en-US" dirty="0"/>
+              <a:t>You’ll notice another sharp, stronger-than-usual decline in incidents in February 2021. (click to February in all months) In this month, Nashville experienced a sever winter storm that significantly impacted the ability to travel safely, and caused many businesses to remain closed for at least a week. </a:t>
+            </a:r>
+          </a:p>
+          <a:p>
+            <a:endParaRPr lang="en-US" dirty="0"/>
+          </a:p>
+          <a:p>
+            <a:r>
+              <a:rPr lang="en-US" dirty="0"/>
+              <a:t>Looking to our second line chart, it’s clear that in most months, there is not a strong correlation between peaks in confirmed COVID-19 cases and a change in criminal incidents. The combination of these two data sets appears to be an indicator that events occurring during COVID impacted criminal incidents more than the pandemic itself. </a:t>
+            </a:r>
+          </a:p>
+          <a:p>
+            <a:endParaRPr lang="en-US" dirty="0"/>
+          </a:p>
+          <a:p>
+            <a:endParaRPr lang="en-US" dirty="0"/>
+          </a:p>
+        </p:txBody>
+      </p:sp>
+      <p:sp>
+        <p:nvSpPr>
+          <p:cNvPr id="4" name="Slide Number Placeholder 3"/>
+          <p:cNvSpPr>
+            <a:spLocks noGrp="1"/>
+          </p:cNvSpPr>
+          <p:nvPr>
+            <p:ph type="sldNum" sz="quarter" idx="5"/>
+          </p:nvPr>
+        </p:nvSpPr>
+        <p:spPr/>
+        <p:txBody>
+          <a:bodyPr/>
+          <a:lstStyle/>
+          <a:p>
+            <a:fld id="{4BC79531-D0FF-4B20-8BD0-D99E8D47E070}" type="slidenum">
+              <a:rPr lang="en-US" smtClean="0"/>
+              <a:t>7</a:t>
+            </a:fld>
+            <a:endParaRPr lang="en-US"/>
+          </a:p>
+        </p:txBody>
+      </p:sp>
+    </p:spTree>
+    <p:extLst>
+      <p:ext uri="{BB962C8B-B14F-4D97-AF65-F5344CB8AC3E}">
+        <p14:creationId xmlns:p14="http://schemas.microsoft.com/office/powerpoint/2010/main" val="2090694891"/>
+      </p:ext>
+    </p:extLst>
+  </p:cSld>
+  <p:clrMapOvr>
+    <a:masterClrMapping/>
+  </p:clrMapOvr>
+</p:notes>
+</file>
+
+<file path=ppt/notesSlides/notesSlide5.xml><?xml version="1.0" encoding="utf-8"?>
+<p:notes xmlns:a="http://schemas.openxmlformats.org/drawingml/2006/main" xmlns:r="http://schemas.openxmlformats.org/officeDocument/2006/relationships" xmlns:p="http://schemas.openxmlformats.org/presentationml/2006/main">
+  <p:cSld>
+    <p:spTree>
+      <p:nvGrpSpPr>
+        <p:cNvPr id="1" name=""/>
+        <p:cNvGrpSpPr/>
+        <p:nvPr/>
+      </p:nvGrpSpPr>
+      <p:grpSpPr>
+        <a:xfrm>
+          <a:off x="0" y="0"/>
+          <a:ext cx="0" cy="0"/>
+          <a:chOff x="0" y="0"/>
+          <a:chExt cx="0" cy="0"/>
+        </a:xfrm>
+      </p:grpSpPr>
+      <p:sp>
+        <p:nvSpPr>
+          <p:cNvPr id="2" name="Slide Image Placeholder 1"/>
+          <p:cNvSpPr>
+            <a:spLocks noGrp="1" noRot="1" noChangeAspect="1"/>
+          </p:cNvSpPr>
+          <p:nvPr>
+            <p:ph type="sldImg"/>
+          </p:nvPr>
+        </p:nvSpPr>
+        <p:spPr/>
+      </p:sp>
+      <p:sp>
+        <p:nvSpPr>
+          <p:cNvPr id="3" name="Notes Placeholder 2"/>
+          <p:cNvSpPr>
+            <a:spLocks noGrp="1"/>
+          </p:cNvSpPr>
+          <p:nvPr>
+            <p:ph type="body" idx="1"/>
+          </p:nvPr>
+        </p:nvSpPr>
+        <p:spPr/>
+        <p:txBody>
+          <a:bodyPr/>
+          <a:lstStyle/>
+          <a:p>
+            <a:r>
+              <a:rPr lang="en-US" dirty="0"/>
+              <a:t>Examining my newly found hypothesis, that criminal activity did indeed decrease during COVID-19, but that this is a continuation of a trend that started before the pandemic. We’re looking now at average incidents per month from 2015 – 2019. Again we see that from 2019 onward, average incidents per month did indeed decline. </a:t>
+            </a:r>
+          </a:p>
+          <a:p>
+            <a:endParaRPr lang="en-US" dirty="0"/>
+          </a:p>
+          <a:p>
+            <a:r>
+              <a:rPr lang="en-US" dirty="0"/>
+              <a:t>2022 is, thus far, the year with the lowest incidents per month, on average. 2020, which we can consider the “start” of the pandemic and the year with the most restrictions in place, saw only a small decrease in incidents from 2019.  This is further indication that, despite the unknowns regarding risk of COVID-19, and heavily restrictive measures in place, crime continued in a typical fashion. In subsequent years, 2021 and 2022, where unknowns and restrictions were fewer, crime continued to decrease. So it seems, crime is trending downward and while COVID-19 may be a contributor, there’s no indication it’s a driving factor. </a:t>
+            </a:r>
+          </a:p>
+        </p:txBody>
+      </p:sp>
+      <p:sp>
+        <p:nvSpPr>
+          <p:cNvPr id="4" name="Slide Number Placeholder 3"/>
+          <p:cNvSpPr>
+            <a:spLocks noGrp="1"/>
+          </p:cNvSpPr>
+          <p:nvPr>
+            <p:ph type="sldNum" sz="quarter" idx="5"/>
+          </p:nvPr>
+        </p:nvSpPr>
+        <p:spPr/>
+        <p:txBody>
+          <a:bodyPr/>
+          <a:lstStyle/>
+          <a:p>
+            <a:fld id="{4BC79531-D0FF-4B20-8BD0-D99E8D47E070}" type="slidenum">
+              <a:rPr lang="en-US" smtClean="0"/>
+              <a:t>8</a:t>
+            </a:fld>
+            <a:endParaRPr lang="en-US"/>
+          </a:p>
+        </p:txBody>
+      </p:sp>
+    </p:spTree>
+    <p:extLst>
+      <p:ext uri="{BB962C8B-B14F-4D97-AF65-F5344CB8AC3E}">
+        <p14:creationId xmlns:p14="http://schemas.microsoft.com/office/powerpoint/2010/main" val="3230192514"/>
+      </p:ext>
+    </p:extLst>
+  </p:cSld>
+  <p:clrMapOvr>
+    <a:masterClrMapping/>
+  </p:clrMapOvr>
+</p:notes>
+</file>
+
+<file path=ppt/notesSlides/notesSlide6.xml><?xml version="1.0" encoding="utf-8"?>
+<p:notes xmlns:a="http://schemas.openxmlformats.org/drawingml/2006/main" xmlns:r="http://schemas.openxmlformats.org/officeDocument/2006/relationships" xmlns:p="http://schemas.openxmlformats.org/presentationml/2006/main">
+  <p:cSld>
+    <p:spTree>
+      <p:nvGrpSpPr>
+        <p:cNvPr id="1" name=""/>
+        <p:cNvGrpSpPr/>
+        <p:nvPr/>
+      </p:nvGrpSpPr>
+      <p:grpSpPr>
+        <a:xfrm>
+          <a:off x="0" y="0"/>
+          <a:ext cx="0" cy="0"/>
+          <a:chOff x="0" y="0"/>
+          <a:chExt cx="0" cy="0"/>
+        </a:xfrm>
+      </p:grpSpPr>
+      <p:sp>
+        <p:nvSpPr>
+          <p:cNvPr id="2" name="Slide Image Placeholder 1"/>
+          <p:cNvSpPr>
+            <a:spLocks noGrp="1" noRot="1" noChangeAspect="1"/>
+          </p:cNvSpPr>
+          <p:nvPr>
+            <p:ph type="sldImg"/>
+          </p:nvPr>
+        </p:nvSpPr>
+        <p:spPr/>
+      </p:sp>
+      <p:sp>
+        <p:nvSpPr>
+          <p:cNvPr id="3" name="Notes Placeholder 2"/>
+          <p:cNvSpPr>
+            <a:spLocks noGrp="1"/>
+          </p:cNvSpPr>
+          <p:nvPr>
+            <p:ph type="body" idx="1"/>
+          </p:nvPr>
+        </p:nvSpPr>
+        <p:spPr/>
+        <p:txBody>
+          <a:bodyPr/>
+          <a:lstStyle/>
+          <a:p>
+            <a:r>
+              <a:rPr lang="en-US" dirty="0"/>
+              <a:t>To this point, all data seems to indicate that there is little correlation between COVID and crime in Davidson County. What correlation we have seen is a weak negative correlation, and isolated to specific months and events. </a:t>
+            </a:r>
+          </a:p>
+          <a:p>
+            <a:endParaRPr lang="en-US" dirty="0"/>
+          </a:p>
+          <a:p>
+            <a:r>
+              <a:rPr lang="en-US" dirty="0"/>
+              <a:t>To fully prove this point, I further reviewed overlap between peaks in COVID-19 confirmed cases, which you’ll see here. The tornado chart on the left shows the top 10 months by year for COVID cases, while the right-hand side shows the rank for those months in number of criminal incidents. For reference, there are 89 months of data in the criminal incidents data set. </a:t>
+            </a:r>
+          </a:p>
+          <a:p>
+            <a:endParaRPr lang="en-US" dirty="0"/>
+          </a:p>
+          <a:p>
+            <a:r>
+              <a:rPr lang="en-US" dirty="0"/>
+              <a:t>Notably, months ranking highest for COVID-19 cases did not correlate to a high-ranking month for criminal incidents. In fact, of the 10 months shown, only one month, July 2020, correlates to a top-ranking month for criminal incidents. </a:t>
+            </a:r>
+          </a:p>
+          <a:p>
+            <a:endParaRPr lang="en-US" dirty="0"/>
+          </a:p>
+          <a:p>
+            <a:r>
+              <a:rPr lang="en-US" dirty="0"/>
+              <a:t>To the right, I reviewed all days where COVID-19 cases peaked, along with a correlating peak in Criminal incidents. Across 3 years, there are only 10 days where both confirmed cases and criminal incidents were at their highest. </a:t>
+            </a:r>
+          </a:p>
+          <a:p>
+            <a:endParaRPr lang="en-US" dirty="0"/>
+          </a:p>
+          <a:p>
+            <a:r>
+              <a:rPr lang="en-US" dirty="0"/>
+              <a:t>Combining the data we’ve reviewed thus far, I felt the hypothesis that crime and COVID-19 were not correlated had been sufficiently proven. But at this point, I’ve only reviewed crime as a whole. </a:t>
+            </a:r>
+          </a:p>
+        </p:txBody>
+      </p:sp>
+      <p:sp>
+        <p:nvSpPr>
+          <p:cNvPr id="4" name="Slide Number Placeholder 3"/>
+          <p:cNvSpPr>
+            <a:spLocks noGrp="1"/>
+          </p:cNvSpPr>
+          <p:nvPr>
+            <p:ph type="sldNum" sz="quarter" idx="5"/>
+          </p:nvPr>
+        </p:nvSpPr>
+        <p:spPr/>
+        <p:txBody>
+          <a:bodyPr/>
+          <a:lstStyle/>
+          <a:p>
+            <a:fld id="{4BC79531-D0FF-4B20-8BD0-D99E8D47E070}" type="slidenum">
+              <a:rPr lang="en-US" smtClean="0"/>
+              <a:t>9</a:t>
+            </a:fld>
+            <a:endParaRPr lang="en-US"/>
+          </a:p>
+        </p:txBody>
+      </p:sp>
+    </p:spTree>
+    <p:extLst>
+      <p:ext uri="{BB962C8B-B14F-4D97-AF65-F5344CB8AC3E}">
+        <p14:creationId xmlns:p14="http://schemas.microsoft.com/office/powerpoint/2010/main" val="1317782618"/>
+      </p:ext>
+    </p:extLst>
+  </p:cSld>
+  <p:clrMapOvr>
+    <a:masterClrMapping/>
+  </p:clrMapOvr>
+</p:notes>
+</file>
+
+<file path=ppt/notesSlides/notesSlide7.xml><?xml version="1.0" encoding="utf-8"?>
+<p:notes xmlns:a="http://schemas.openxmlformats.org/drawingml/2006/main" xmlns:r="http://schemas.openxmlformats.org/officeDocument/2006/relationships" xmlns:p="http://schemas.openxmlformats.org/presentationml/2006/main">
+  <p:cSld>
+    <p:spTree>
+      <p:nvGrpSpPr>
+        <p:cNvPr id="1" name=""/>
+        <p:cNvGrpSpPr/>
+        <p:nvPr/>
+      </p:nvGrpSpPr>
+      <p:grpSpPr>
+        <a:xfrm>
+          <a:off x="0" y="0"/>
+          <a:ext cx="0" cy="0"/>
+          <a:chOff x="0" y="0"/>
+          <a:chExt cx="0" cy="0"/>
+        </a:xfrm>
+      </p:grpSpPr>
+      <p:sp>
+        <p:nvSpPr>
+          <p:cNvPr id="2" name="Slide Image Placeholder 1"/>
+          <p:cNvSpPr>
+            <a:spLocks noGrp="1" noRot="1" noChangeAspect="1"/>
+          </p:cNvSpPr>
+          <p:nvPr>
+            <p:ph type="sldImg"/>
+          </p:nvPr>
+        </p:nvSpPr>
+        <p:spPr/>
+      </p:sp>
+      <p:sp>
+        <p:nvSpPr>
+          <p:cNvPr id="3" name="Notes Placeholder 2"/>
+          <p:cNvSpPr>
+            <a:spLocks noGrp="1"/>
+          </p:cNvSpPr>
+          <p:nvPr>
+            <p:ph type="body" idx="1"/>
+          </p:nvPr>
+        </p:nvSpPr>
+        <p:spPr/>
+        <p:txBody>
+          <a:bodyPr/>
+          <a:lstStyle/>
+          <a:p>
+            <a:r>
+              <a:rPr lang="en-US" dirty="0"/>
+              <a:t>Within the criminal incidents data set, each incident has an offense description. To further understand any driving force of COVID on criminal activity, I classified each offense as “close contact,” a crime that requires close contact with another human, and no contact, a crime which did not require human contact. </a:t>
+            </a:r>
+          </a:p>
+          <a:p>
+            <a:endParaRPr lang="en-US" dirty="0"/>
+          </a:p>
+          <a:p>
+            <a:pPr marL="0" marR="0" lvl="0" indent="0" algn="l" defTabSz="914400" rtl="0" eaLnBrk="1" fontAlgn="auto" latinLnBrk="0" hangingPunct="1">
+              <a:lnSpc>
+                <a:spcPct val="100000"/>
+              </a:lnSpc>
+              <a:spcBef>
+                <a:spcPts val="0"/>
+              </a:spcBef>
+              <a:spcAft>
+                <a:spcPts val="0"/>
+              </a:spcAft>
+              <a:buClrTx/>
+              <a:buSzTx/>
+              <a:buFontTx/>
+              <a:buNone/>
+              <a:tabLst/>
+              <a:defRPr/>
+            </a:pPr>
+            <a:r>
+              <a:rPr lang="en-US" dirty="0"/>
+              <a:t>If crime and COVID truly were interrelated, I would expect that close-contact offenses would decrease during COVID. To the right, a donut chart shows the percent of incidents in that year that are considered close contact. Notably, there is no decrease in close contact offenses during covid. In fact, </a:t>
+            </a:r>
+            <a:r>
+              <a:rPr lang="en-US" sz="1200" dirty="0">
+                <a:solidFill>
+                  <a:schemeClr val="tx1"/>
+                </a:solidFill>
+              </a:rPr>
+              <a:t>2021 was the 3</a:t>
+            </a:r>
+            <a:r>
+              <a:rPr lang="en-US" sz="1200" baseline="30000" dirty="0">
+                <a:solidFill>
+                  <a:schemeClr val="tx1"/>
+                </a:solidFill>
+              </a:rPr>
+              <a:t>rd</a:t>
+            </a:r>
+            <a:r>
+              <a:rPr lang="en-US" sz="1200" dirty="0">
+                <a:solidFill>
+                  <a:schemeClr val="tx1"/>
+                </a:solidFill>
+              </a:rPr>
+              <a:t> highest year for these offenses. 13.8% of incidents were considered close-contact.</a:t>
+            </a:r>
+          </a:p>
+          <a:p>
+            <a:pPr marL="0" marR="0" lvl="0" indent="0" algn="l" defTabSz="914400" rtl="0" eaLnBrk="1" fontAlgn="auto" latinLnBrk="0" hangingPunct="1">
+              <a:lnSpc>
+                <a:spcPct val="100000"/>
+              </a:lnSpc>
+              <a:spcBef>
+                <a:spcPts val="0"/>
+              </a:spcBef>
+              <a:spcAft>
+                <a:spcPts val="0"/>
+              </a:spcAft>
+              <a:buClrTx/>
+              <a:buSzTx/>
+              <a:buFontTx/>
+              <a:buNone/>
+              <a:tabLst/>
+              <a:defRPr/>
+            </a:pPr>
+            <a:endParaRPr lang="en-US" sz="1200" dirty="0">
+              <a:solidFill>
+                <a:schemeClr val="tx1"/>
+              </a:solidFill>
+            </a:endParaRPr>
+          </a:p>
+          <a:p>
+            <a:pPr marL="0" marR="0" lvl="0" indent="0" algn="l" defTabSz="914400" rtl="0" eaLnBrk="1" fontAlgn="auto" latinLnBrk="0" hangingPunct="1">
+              <a:lnSpc>
+                <a:spcPct val="100000"/>
+              </a:lnSpc>
+              <a:spcBef>
+                <a:spcPts val="0"/>
+              </a:spcBef>
+              <a:spcAft>
+                <a:spcPts val="0"/>
+              </a:spcAft>
+              <a:buClrTx/>
+              <a:buSzTx/>
+              <a:buFontTx/>
+              <a:buNone/>
+              <a:tabLst/>
+              <a:defRPr/>
+            </a:pPr>
+            <a:r>
+              <a:rPr lang="en-US" sz="1200" dirty="0">
+                <a:solidFill>
+                  <a:schemeClr val="tx1"/>
+                </a:solidFill>
+              </a:rPr>
+              <a:t>Types of close contact offenses also did not change, with the top 3 offenses – family offenses, aggravated assault, and simple assault – remains the same year over year. </a:t>
+            </a:r>
+          </a:p>
+          <a:p>
+            <a:pPr marL="0" marR="0" lvl="0" indent="0" algn="l" defTabSz="914400" rtl="0" eaLnBrk="1" fontAlgn="auto" latinLnBrk="0" hangingPunct="1">
+              <a:lnSpc>
+                <a:spcPct val="100000"/>
+              </a:lnSpc>
+              <a:spcBef>
+                <a:spcPts val="0"/>
+              </a:spcBef>
+              <a:spcAft>
+                <a:spcPts val="0"/>
+              </a:spcAft>
+              <a:buClrTx/>
+              <a:buSzTx/>
+              <a:buFontTx/>
+              <a:buNone/>
+              <a:tabLst/>
+              <a:defRPr/>
+            </a:pPr>
+            <a:endParaRPr lang="en-US" sz="1200" dirty="0">
+              <a:solidFill>
+                <a:schemeClr val="tx1"/>
+              </a:solidFill>
+            </a:endParaRPr>
+          </a:p>
+          <a:p>
+            <a:pPr marL="0" marR="0" lvl="0" indent="0" algn="l" defTabSz="914400" rtl="0" eaLnBrk="1" fontAlgn="auto" latinLnBrk="0" hangingPunct="1">
+              <a:lnSpc>
+                <a:spcPct val="100000"/>
+              </a:lnSpc>
+              <a:spcBef>
+                <a:spcPts val="0"/>
+              </a:spcBef>
+              <a:spcAft>
+                <a:spcPts val="0"/>
+              </a:spcAft>
+              <a:buClrTx/>
+              <a:buSzTx/>
+              <a:buFontTx/>
+              <a:buNone/>
+              <a:tabLst/>
+              <a:defRPr/>
+            </a:pPr>
+            <a:r>
+              <a:rPr lang="en-US" sz="1200" dirty="0">
+                <a:solidFill>
+                  <a:schemeClr val="tx1"/>
+                </a:solidFill>
+              </a:rPr>
+              <a:t>Interestingly, no-contact offenses did decrease during the covid pandemic. These offense types were at their lowest in 2021. Hopefully this does not indicate that non-contact offenders began committing close-contact crimes, as we did see an increase in close-contact offenses in this same year. </a:t>
+            </a:r>
+          </a:p>
+          <a:p>
+            <a:pPr marL="0" marR="0" lvl="0" indent="0" algn="l" defTabSz="914400" rtl="0" eaLnBrk="1" fontAlgn="auto" latinLnBrk="0" hangingPunct="1">
+              <a:lnSpc>
+                <a:spcPct val="100000"/>
+              </a:lnSpc>
+              <a:spcBef>
+                <a:spcPts val="0"/>
+              </a:spcBef>
+              <a:spcAft>
+                <a:spcPts val="0"/>
+              </a:spcAft>
+              <a:buClrTx/>
+              <a:buSzTx/>
+              <a:buFontTx/>
+              <a:buNone/>
+              <a:tabLst/>
+              <a:defRPr/>
+            </a:pPr>
+            <a:endParaRPr lang="en-US" sz="1200" dirty="0">
+              <a:solidFill>
+                <a:schemeClr val="tx1"/>
+              </a:solidFill>
+            </a:endParaRPr>
+          </a:p>
+          <a:p>
+            <a:pPr marL="0" marR="0" lvl="0" indent="0" algn="l" defTabSz="914400" rtl="0" eaLnBrk="1" fontAlgn="auto" latinLnBrk="0" hangingPunct="1">
+              <a:lnSpc>
+                <a:spcPct val="100000"/>
+              </a:lnSpc>
+              <a:spcBef>
+                <a:spcPts val="0"/>
+              </a:spcBef>
+              <a:spcAft>
+                <a:spcPts val="0"/>
+              </a:spcAft>
+              <a:buClrTx/>
+              <a:buSzTx/>
+              <a:buFontTx/>
+              <a:buNone/>
+              <a:tabLst/>
+              <a:defRPr/>
+            </a:pPr>
+            <a:r>
+              <a:rPr lang="en-US" sz="1200" dirty="0">
+                <a:solidFill>
+                  <a:schemeClr val="tx1"/>
+                </a:solidFill>
+              </a:rPr>
+              <a:t>As a positive note, narcotic violations did decrease during COVID-19, although this offense type remains a top offense in Davidson County. Other no-contact offenses, vandalism and theft from motor vehicles, also decreased from 2020 to 2021. </a:t>
+            </a:r>
+            <a:endParaRPr lang="en-US" dirty="0"/>
+          </a:p>
+        </p:txBody>
+      </p:sp>
+      <p:sp>
+        <p:nvSpPr>
+          <p:cNvPr id="4" name="Slide Number Placeholder 3"/>
+          <p:cNvSpPr>
+            <a:spLocks noGrp="1"/>
+          </p:cNvSpPr>
+          <p:nvPr>
+            <p:ph type="sldNum" sz="quarter" idx="5"/>
+          </p:nvPr>
+        </p:nvSpPr>
+        <p:spPr/>
+        <p:txBody>
+          <a:bodyPr/>
+          <a:lstStyle/>
+          <a:p>
+            <a:fld id="{4BC79531-D0FF-4B20-8BD0-D99E8D47E070}" type="slidenum">
+              <a:rPr lang="en-US" smtClean="0"/>
+              <a:t>10</a:t>
+            </a:fld>
+            <a:endParaRPr lang="en-US"/>
+          </a:p>
+        </p:txBody>
+      </p:sp>
+    </p:spTree>
+    <p:extLst>
+      <p:ext uri="{BB962C8B-B14F-4D97-AF65-F5344CB8AC3E}">
+        <p14:creationId xmlns:p14="http://schemas.microsoft.com/office/powerpoint/2010/main" val="2146267530"/>
+      </p:ext>
+    </p:extLst>
+  </p:cSld>
+  <p:clrMapOvr>
+    <a:masterClrMapping/>
+  </p:clrMapOvr>
+</p:notes>
+</file>
+
 <file path=ppt/slideLayouts/slideLayout1.xml><?xml version="1.0" encoding="utf-8"?>
 <p:sldLayout xmlns:a="http://schemas.openxmlformats.org/drawingml/2006/main" xmlns:r="http://schemas.openxmlformats.org/officeDocument/2006/relationships" xmlns:p="http://schemas.openxmlformats.org/presentationml/2006/main" type="title" preserve="1">
   <p:cSld name="Title Slide">
@@ -333,7 +1639,7 @@
           <a:p>
             <a:fld id="{91F9259A-1FE3-4FF9-8A07-BDD8177164ED}" type="datetime4">
               <a:rPr lang="en-US" smtClean="0"/>
-              <a:t>June 21, 2022</a:t>
+              <a:t>June 26, 2022</a:t>
             </a:fld>
             <a:endParaRPr lang="en-US"/>
           </a:p>
@@ -509,7 +1815,7 @@
           <a:p>
             <a:fld id="{E5CC3C8F-D4A7-4EAD-92AD-82C91CB8BB85}" type="datetime4">
               <a:rPr lang="en-US" smtClean="0"/>
-              <a:t>June 21, 2022</a:t>
+              <a:t>June 26, 2022</a:t>
             </a:fld>
             <a:endParaRPr lang="en-US"/>
           </a:p>
@@ -747,7 +2053,7 @@
           <a:p>
             <a:fld id="{BC011D41-E33C-4BC7-8272-37E8417FD097}" type="datetime4">
               <a:rPr lang="en-US" smtClean="0"/>
-              <a:t>June 21, 2022</a:t>
+              <a:t>June 26, 2022</a:t>
             </a:fld>
             <a:endParaRPr lang="en-US"/>
           </a:p>
@@ -952,7 +2258,7 @@
           <a:p>
             <a:fld id="{5D340FED-6E95-4177-A7EF-CD303B9E611D}" type="datetime4">
               <a:rPr lang="en-US" smtClean="0"/>
-              <a:t>June 21, 2022</a:t>
+              <a:t>June 26, 2022</a:t>
             </a:fld>
             <a:endParaRPr lang="en-US"/>
           </a:p>
@@ -1242,7 +2548,7 @@
           <a:p>
             <a:fld id="{477962CB-39AD-45A9-800F-54DAB53D6021}" type="datetime4">
               <a:rPr lang="en-US" smtClean="0"/>
-              <a:t>June 21, 2022</a:t>
+              <a:t>June 26, 2022</a:t>
             </a:fld>
             <a:endParaRPr lang="en-US"/>
           </a:p>
@@ -1527,7 +2833,7 @@
           <a:p>
             <a:fld id="{2DEDF93D-55AB-4606-B9D7-742F1FC51983}" type="datetime4">
               <a:rPr lang="en-US" smtClean="0"/>
-              <a:t>June 21, 2022</a:t>
+              <a:t>June 26, 2022</a:t>
             </a:fld>
             <a:endParaRPr lang="en-US" dirty="0"/>
           </a:p>
@@ -1945,7 +3251,7 @@
           <a:p>
             <a:fld id="{DDF2841D-FB5C-47AB-B2FF-32E855C1EA71}" type="datetime4">
               <a:rPr lang="en-US" smtClean="0"/>
-              <a:t>June 21, 2022</a:t>
+              <a:t>June 26, 2022</a:t>
             </a:fld>
             <a:endParaRPr lang="en-US"/>
           </a:p>
@@ -2086,7 +3392,7 @@
           <a:p>
             <a:fld id="{118537E9-D174-424D-BEE8-AFC4CA5F9F97}" type="datetime4">
               <a:rPr lang="en-US" smtClean="0"/>
-              <a:t>June 21, 2022</a:t>
+              <a:t>June 26, 2022</a:t>
             </a:fld>
             <a:endParaRPr lang="en-US"/>
           </a:p>
@@ -2227,7 +3533,7 @@
           <a:p>
             <a:fld id="{1C7A44C0-F7AC-49C2-8289-1E7A86D9FB50}" type="datetime4">
               <a:rPr lang="en-US" smtClean="0"/>
-              <a:t>June 21, 2022</a:t>
+              <a:t>June 26, 2022</a:t>
             </a:fld>
             <a:endParaRPr lang="en-US"/>
           </a:p>
@@ -2542,7 +3848,7 @@
           <a:p>
             <a:fld id="{73BB84BC-6E78-40D1-8831-40AB1F596614}" type="datetime4">
               <a:rPr lang="en-US" smtClean="0"/>
-              <a:t>June 21, 2022</a:t>
+              <a:t>June 26, 2022</a:t>
             </a:fld>
             <a:endParaRPr lang="en-US"/>
           </a:p>
@@ -2835,7 +4141,7 @@
           <a:p>
             <a:fld id="{ADFA080F-3961-4D42-BEDE-84A1FED032F1}" type="datetime4">
               <a:rPr lang="en-US" smtClean="0"/>
-              <a:t>June 21, 2022</a:t>
+              <a:t>June 26, 2022</a:t>
             </a:fld>
             <a:endParaRPr lang="en-US"/>
           </a:p>
@@ -3117,7 +4423,7 @@
             <a:fld id="{A33960BD-7AC1-4217-9611-AAA56D3EE38F}" type="datetime4">
               <a:rPr lang="en-US" smtClean="0"/>
               <a:pPr/>
-              <a:t>June 21, 2022</a:t>
+              <a:t>June 26, 2022</a:t>
             </a:fld>
             <a:endParaRPr lang="en-US" dirty="0">
               <a:latin typeface="+mn-lt"/>
@@ -3742,7 +5048,7 @@
                 <a:latin typeface="Bembo" panose="02020502050201020203" pitchFamily="18" charset="0"/>
                 <a:cs typeface="Arial" panose="020B0604020202020204" pitchFamily="34" charset="0"/>
               </a:rPr>
-              <a:t>An exploration of what, if any, correlation exists between crime and COVID-19 in Davidson County, TN</a:t>
+              <a:t>An exploration of correlation between crime and COVID-19 in Davidson County, TN</a:t>
             </a:r>
           </a:p>
         </p:txBody>
@@ -3983,7 +5289,7 @@
                 <a:latin typeface="Calibri" panose="020F0502020204030204" pitchFamily="34" charset="0"/>
                 <a:cs typeface="Calibri" panose="020F0502020204030204" pitchFamily="34" charset="0"/>
               </a:rPr>
-              <a:t>June 28, 2023</a:t>
+              <a:t>June 28, 2022</a:t>
             </a:r>
           </a:p>
         </p:txBody>
@@ -3992,6 +5298,668 @@
     <p:extLst>
       <p:ext uri="{BB962C8B-B14F-4D97-AF65-F5344CB8AC3E}">
         <p14:creationId xmlns:p14="http://schemas.microsoft.com/office/powerpoint/2010/main" val="2470660709"/>
+      </p:ext>
+    </p:extLst>
+  </p:cSld>
+  <p:clrMapOvr>
+    <a:masterClrMapping/>
+  </p:clrMapOvr>
+</p:sld>
+</file>
+
+<file path=ppt/slides/slide10.xml><?xml version="1.0" encoding="utf-8"?>
+<p:sld xmlns:a="http://schemas.openxmlformats.org/drawingml/2006/main" xmlns:r="http://schemas.openxmlformats.org/officeDocument/2006/relationships" xmlns:p="http://schemas.openxmlformats.org/presentationml/2006/main">
+  <p:cSld>
+    <p:bg>
+      <p:bgPr>
+        <a:solidFill>
+          <a:schemeClr val="bg1">
+            <a:alpha val="0"/>
+          </a:schemeClr>
+        </a:solidFill>
+        <a:effectLst/>
+      </p:bgPr>
+    </p:bg>
+    <p:spTree>
+      <p:nvGrpSpPr>
+        <p:cNvPr id="1" name=""/>
+        <p:cNvGrpSpPr/>
+        <p:nvPr/>
+      </p:nvGrpSpPr>
+      <p:grpSpPr>
+        <a:xfrm>
+          <a:off x="0" y="0"/>
+          <a:ext cx="0" cy="0"/>
+          <a:chOff x="0" y="0"/>
+          <a:chExt cx="0" cy="0"/>
+        </a:xfrm>
+      </p:grpSpPr>
+      <p:sp>
+        <p:nvSpPr>
+          <p:cNvPr id="4" name="Title 3">
+            <a:extLst>
+              <a:ext uri="{FF2B5EF4-FFF2-40B4-BE49-F238E27FC236}">
+                <a16:creationId xmlns:a16="http://schemas.microsoft.com/office/drawing/2014/main" id="{9C48A8FE-7C04-1980-2F93-A661F65AF1C0}"/>
+              </a:ext>
+            </a:extLst>
+          </p:cNvPr>
+          <p:cNvSpPr>
+            <a:spLocks noGrp="1"/>
+          </p:cNvSpPr>
+          <p:nvPr>
+            <p:ph type="title"/>
+          </p:nvPr>
+        </p:nvSpPr>
+        <p:spPr>
+          <a:xfrm>
+            <a:off x="69367" y="81095"/>
+            <a:ext cx="10798658" cy="590024"/>
+          </a:xfrm>
+        </p:spPr>
+        <p:txBody>
+          <a:bodyPr>
+            <a:normAutofit fontScale="90000"/>
+          </a:bodyPr>
+          <a:lstStyle/>
+          <a:p>
+            <a:r>
+              <a:rPr lang="en-US" dirty="0"/>
+              <a:t>CRIMINAL OFFENSE TRENDS DURING COVID-19</a:t>
+            </a:r>
+          </a:p>
+        </p:txBody>
+      </p:sp>
+      <mc:AlternateContent xmlns:mc="http://schemas.openxmlformats.org/markup-compatibility/2006">
+        <mc:Choice xmlns:we="http://schemas.microsoft.com/office/webextensions/webextension/2010/11" xmlns:pca="http://schemas.microsoft.com/office/powerpoint/2013/contentapp" Requires="we pca">
+          <p:graphicFrame>
+            <p:nvGraphicFramePr>
+              <p:cNvPr id="2" name="Add-in 1" title="Microsoft Power BI">
+                <a:extLst>
+                  <a:ext uri="{FF2B5EF4-FFF2-40B4-BE49-F238E27FC236}">
+                    <a16:creationId xmlns:a16="http://schemas.microsoft.com/office/drawing/2014/main" id="{68C96327-17C7-209C-2E77-745509505F6A}"/>
+                  </a:ext>
+                </a:extLst>
+              </p:cNvPr>
+              <p:cNvGraphicFramePr>
+                <a:graphicFrameLocks noGrp="1"/>
+              </p:cNvGraphicFramePr>
+              <p:nvPr>
+                <p:extLst>
+                  <p:ext uri="{D42A27DB-BD31-4B8C-83A1-F6EECF244321}">
+                    <p14:modId xmlns:p14="http://schemas.microsoft.com/office/powerpoint/2010/main" val="591808552"/>
+                  </p:ext>
+                </p:extLst>
+              </p:nvPr>
+            </p:nvGraphicFramePr>
+            <p:xfrm>
+              <a:off x="0" y="974262"/>
+              <a:ext cx="7838677" cy="5423826"/>
+            </p:xfrm>
+            <a:graphic>
+              <a:graphicData uri="http://schemas.microsoft.com/office/webextensions/webextension/2010/11">
+                <we:webextensionref xmlns:we="http://schemas.microsoft.com/office/webextensions/webextension/2010/11" xmlns:r="http://schemas.openxmlformats.org/officeDocument/2006/relationships" r:id="rId3"/>
+              </a:graphicData>
+            </a:graphic>
+          </p:graphicFrame>
+        </mc:Choice>
+        <mc:Fallback>
+          <p:pic>
+            <p:nvPicPr>
+              <p:cNvPr id="2" name="Add-in 1" title="Microsoft Power BI">
+                <a:extLst>
+                  <a:ext uri="{FF2B5EF4-FFF2-40B4-BE49-F238E27FC236}">
+                    <a16:creationId xmlns:a16="http://schemas.microsoft.com/office/drawing/2014/main" id="{68C96327-17C7-209C-2E77-745509505F6A}"/>
+                  </a:ext>
+                </a:extLst>
+              </p:cNvPr>
+              <p:cNvPicPr>
+                <a:picLocks noGrp="1" noRot="1" noChangeAspect="1" noMove="1" noResize="1" noEditPoints="1" noAdjustHandles="1" noChangeArrowheads="1" noChangeShapeType="1"/>
+              </p:cNvPicPr>
+              <p:nvPr/>
+            </p:nvPicPr>
+            <p:blipFill>
+              <a:blip r:embed="rId4"/>
+              <a:stretch>
+                <a:fillRect/>
+              </a:stretch>
+            </p:blipFill>
+            <p:spPr>
+              <a:xfrm>
+                <a:off x="0" y="974262"/>
+                <a:ext cx="7838677" cy="5423826"/>
+              </a:xfrm>
+              <a:prstGeom prst="rect">
+                <a:avLst/>
+              </a:prstGeom>
+            </p:spPr>
+          </p:pic>
+        </mc:Fallback>
+      </mc:AlternateContent>
+      <p:sp>
+        <p:nvSpPr>
+          <p:cNvPr id="3" name="Rectangle 2">
+            <a:extLst>
+              <a:ext uri="{FF2B5EF4-FFF2-40B4-BE49-F238E27FC236}">
+                <a16:creationId xmlns:a16="http://schemas.microsoft.com/office/drawing/2014/main" id="{812B6544-F46D-1F76-E0C7-273A169117AA}"/>
+              </a:ext>
+            </a:extLst>
+          </p:cNvPr>
+          <p:cNvSpPr/>
+          <p:nvPr/>
+        </p:nvSpPr>
+        <p:spPr>
+          <a:xfrm>
+            <a:off x="10763075" y="0"/>
+            <a:ext cx="1428925" cy="6858000"/>
+          </a:xfrm>
+          <a:prstGeom prst="rect">
+            <a:avLst/>
+          </a:prstGeom>
+          <a:solidFill>
+            <a:schemeClr val="bg1"/>
+          </a:solidFill>
+          <a:ln>
+            <a:solidFill>
+              <a:schemeClr val="bg1"/>
+            </a:solidFill>
+          </a:ln>
+        </p:spPr>
+        <p:style>
+          <a:lnRef idx="2">
+            <a:schemeClr val="accent1">
+              <a:shade val="50000"/>
+            </a:schemeClr>
+          </a:lnRef>
+          <a:fillRef idx="1">
+            <a:schemeClr val="accent1"/>
+          </a:fillRef>
+          <a:effectRef idx="0">
+            <a:schemeClr val="accent1"/>
+          </a:effectRef>
+          <a:fontRef idx="minor">
+            <a:schemeClr val="lt1"/>
+          </a:fontRef>
+        </p:style>
+        <p:txBody>
+          <a:bodyPr rtlCol="0" anchor="ctr"/>
+          <a:lstStyle/>
+          <a:p>
+            <a:pPr algn="ctr"/>
+            <a:endParaRPr lang="en-US"/>
+          </a:p>
+        </p:txBody>
+      </p:sp>
+      <p:sp>
+        <p:nvSpPr>
+          <p:cNvPr id="7" name="Rectangle 6">
+            <a:extLst>
+              <a:ext uri="{FF2B5EF4-FFF2-40B4-BE49-F238E27FC236}">
+                <a16:creationId xmlns:a16="http://schemas.microsoft.com/office/drawing/2014/main" id="{D1C0A77E-B4D2-6577-3D95-FFA81C8E60E8}"/>
+              </a:ext>
+            </a:extLst>
+          </p:cNvPr>
+          <p:cNvSpPr/>
+          <p:nvPr/>
+        </p:nvSpPr>
+        <p:spPr>
+          <a:xfrm>
+            <a:off x="7993481" y="1844640"/>
+            <a:ext cx="4086225" cy="3443288"/>
+          </a:xfrm>
+          <a:prstGeom prst="rect">
+            <a:avLst/>
+          </a:prstGeom>
+          <a:noFill/>
+          <a:ln>
+            <a:noFill/>
+          </a:ln>
+        </p:spPr>
+        <p:style>
+          <a:lnRef idx="2">
+            <a:schemeClr val="accent1">
+              <a:shade val="50000"/>
+            </a:schemeClr>
+          </a:lnRef>
+          <a:fillRef idx="1">
+            <a:schemeClr val="accent1"/>
+          </a:fillRef>
+          <a:effectRef idx="0">
+            <a:schemeClr val="accent1"/>
+          </a:effectRef>
+          <a:fontRef idx="minor">
+            <a:schemeClr val="lt1"/>
+          </a:fontRef>
+        </p:style>
+        <p:txBody>
+          <a:bodyPr rtlCol="0" anchor="ctr"/>
+          <a:lstStyle/>
+          <a:p>
+            <a:pPr marL="285750" indent="-285750">
+              <a:spcBef>
+                <a:spcPts val="600"/>
+              </a:spcBef>
+              <a:spcAft>
+                <a:spcPts val="600"/>
+              </a:spcAft>
+              <a:buFont typeface="Arial" panose="020B0604020202020204" pitchFamily="34" charset="0"/>
+              <a:buChar char="•"/>
+            </a:pPr>
+            <a:r>
+              <a:rPr lang="en-US" sz="1750" dirty="0">
+                <a:solidFill>
+                  <a:schemeClr val="tx1"/>
+                </a:solidFill>
+              </a:rPr>
+              <a:t>There was no notable decrease in “</a:t>
+            </a:r>
+            <a:r>
+              <a:rPr lang="en-US" sz="1750" dirty="0">
+                <a:solidFill>
+                  <a:schemeClr val="tx1"/>
+                </a:solidFill>
+                <a:hlinkClick r:id="rId5" action="ppaction://hlinksldjump"/>
+              </a:rPr>
+              <a:t>close-contact</a:t>
+            </a:r>
+            <a:r>
+              <a:rPr lang="en-US" sz="1750" dirty="0">
+                <a:solidFill>
+                  <a:schemeClr val="tx1"/>
+                </a:solidFill>
+              </a:rPr>
+              <a:t>” offenses during COVID-19</a:t>
+            </a:r>
+          </a:p>
+          <a:p>
+            <a:pPr marL="742950" lvl="1" indent="-285750">
+              <a:spcBef>
+                <a:spcPts val="600"/>
+              </a:spcBef>
+              <a:spcAft>
+                <a:spcPts val="600"/>
+              </a:spcAft>
+              <a:buFont typeface="Arial" panose="020B0604020202020204" pitchFamily="34" charset="0"/>
+              <a:buChar char="•"/>
+            </a:pPr>
+            <a:r>
+              <a:rPr lang="en-US" sz="1750" dirty="0">
+                <a:solidFill>
+                  <a:schemeClr val="tx1"/>
+                </a:solidFill>
+              </a:rPr>
+              <a:t>2021 was the highest year for these offenses. 15% of incidents were considered close-contact.</a:t>
+            </a:r>
+          </a:p>
+          <a:p>
+            <a:pPr marL="285750" indent="-285750">
+              <a:spcBef>
+                <a:spcPts val="600"/>
+              </a:spcBef>
+              <a:spcAft>
+                <a:spcPts val="600"/>
+              </a:spcAft>
+              <a:buFont typeface="Arial" panose="020B0604020202020204" pitchFamily="34" charset="0"/>
+              <a:buChar char="•"/>
+            </a:pPr>
+            <a:r>
+              <a:rPr lang="en-US" sz="1750" dirty="0">
+                <a:solidFill>
+                  <a:schemeClr val="tx1"/>
+                </a:solidFill>
+              </a:rPr>
+              <a:t>Offense types trended similarly before and during COVID-19. Family Offenses, Aggravated Assault, and Simple Assault remain the top 3 close-contact offenses each year.</a:t>
+            </a:r>
+          </a:p>
+          <a:p>
+            <a:pPr marL="285750" indent="-285750">
+              <a:spcBef>
+                <a:spcPts val="600"/>
+              </a:spcBef>
+              <a:spcAft>
+                <a:spcPts val="600"/>
+              </a:spcAft>
+              <a:buFont typeface="Arial" panose="020B0604020202020204" pitchFamily="34" charset="0"/>
+              <a:buChar char="•"/>
+            </a:pPr>
+            <a:r>
+              <a:rPr lang="en-US" sz="1750" dirty="0">
+                <a:solidFill>
+                  <a:schemeClr val="tx1"/>
+                </a:solidFill>
+              </a:rPr>
+              <a:t>Conversely, </a:t>
+            </a:r>
+            <a:r>
+              <a:rPr lang="en-US" sz="1750" dirty="0">
+                <a:solidFill>
+                  <a:schemeClr val="tx1"/>
+                </a:solidFill>
+                <a:hlinkClick r:id="rId5" action="ppaction://hlinksldjump"/>
+              </a:rPr>
+              <a:t>“no-contact” </a:t>
+            </a:r>
+            <a:r>
+              <a:rPr lang="en-US" sz="1750" dirty="0">
+                <a:solidFill>
+                  <a:schemeClr val="tx1"/>
+                </a:solidFill>
+              </a:rPr>
+              <a:t>offenses were at their lowest in 2021.</a:t>
+            </a:r>
+          </a:p>
+          <a:p>
+            <a:pPr marL="742950" lvl="1" indent="-285750">
+              <a:spcBef>
+                <a:spcPts val="600"/>
+              </a:spcBef>
+              <a:spcAft>
+                <a:spcPts val="600"/>
+              </a:spcAft>
+              <a:buFont typeface="Arial" panose="020B0604020202020204" pitchFamily="34" charset="0"/>
+              <a:buChar char="•"/>
+            </a:pPr>
+            <a:r>
+              <a:rPr lang="en-US" sz="1750" dirty="0">
+                <a:solidFill>
+                  <a:schemeClr val="tx1"/>
+                </a:solidFill>
+              </a:rPr>
+              <a:t>Narcotic violations, Vandalism, and Theft from Motor Vehicles decreased from 2020 to 2021</a:t>
+            </a:r>
+          </a:p>
+        </p:txBody>
+      </p:sp>
+    </p:spTree>
+    <p:extLst>
+      <p:ext uri="{BB962C8B-B14F-4D97-AF65-F5344CB8AC3E}">
+        <p14:creationId xmlns:p14="http://schemas.microsoft.com/office/powerpoint/2010/main" val="2085949219"/>
+      </p:ext>
+    </p:extLst>
+  </p:cSld>
+  <p:clrMapOvr>
+    <a:masterClrMapping/>
+  </p:clrMapOvr>
+</p:sld>
+</file>
+
+<file path=ppt/slides/slide11.xml><?xml version="1.0" encoding="utf-8"?>
+<p:sld xmlns:a="http://schemas.openxmlformats.org/drawingml/2006/main" xmlns:r="http://schemas.openxmlformats.org/officeDocument/2006/relationships" xmlns:p="http://schemas.openxmlformats.org/presentationml/2006/main">
+  <p:cSld>
+    <p:spTree>
+      <p:nvGrpSpPr>
+        <p:cNvPr id="1" name=""/>
+        <p:cNvGrpSpPr/>
+        <p:nvPr/>
+      </p:nvGrpSpPr>
+      <p:grpSpPr>
+        <a:xfrm>
+          <a:off x="0" y="0"/>
+          <a:ext cx="0" cy="0"/>
+          <a:chOff x="0" y="0"/>
+          <a:chExt cx="0" cy="0"/>
+        </a:xfrm>
+      </p:grpSpPr>
+      <p:sp>
+        <p:nvSpPr>
+          <p:cNvPr id="2" name="Title 1">
+            <a:extLst>
+              <a:ext uri="{FF2B5EF4-FFF2-40B4-BE49-F238E27FC236}">
+                <a16:creationId xmlns:a16="http://schemas.microsoft.com/office/drawing/2014/main" id="{87E350C3-4E10-0E3D-B335-B0D6B3A35AB2}"/>
+              </a:ext>
+            </a:extLst>
+          </p:cNvPr>
+          <p:cNvSpPr>
+            <a:spLocks noGrp="1"/>
+          </p:cNvSpPr>
+          <p:nvPr>
+            <p:ph type="title"/>
+          </p:nvPr>
+        </p:nvSpPr>
+        <p:spPr>
+          <a:xfrm>
+            <a:off x="0" y="-200024"/>
+            <a:ext cx="9810604" cy="1216024"/>
+          </a:xfrm>
+        </p:spPr>
+        <p:txBody>
+          <a:bodyPr/>
+          <a:lstStyle/>
+          <a:p>
+            <a:r>
+              <a:rPr lang="en-US" dirty="0"/>
+              <a:t>Conclusion </a:t>
+            </a:r>
+          </a:p>
+        </p:txBody>
+      </p:sp>
+      <p:sp>
+        <p:nvSpPr>
+          <p:cNvPr id="3" name="Rectangle 2">
+            <a:extLst>
+              <a:ext uri="{FF2B5EF4-FFF2-40B4-BE49-F238E27FC236}">
+                <a16:creationId xmlns:a16="http://schemas.microsoft.com/office/drawing/2014/main" id="{B44791D9-AE14-91D7-CC45-EFE83207C9DB}"/>
+              </a:ext>
+            </a:extLst>
+          </p:cNvPr>
+          <p:cNvSpPr/>
+          <p:nvPr/>
+        </p:nvSpPr>
+        <p:spPr>
+          <a:xfrm>
+            <a:off x="266699" y="834990"/>
+            <a:ext cx="10639425" cy="3443288"/>
+          </a:xfrm>
+          <a:prstGeom prst="rect">
+            <a:avLst/>
+          </a:prstGeom>
+          <a:noFill/>
+          <a:ln>
+            <a:noFill/>
+          </a:ln>
+        </p:spPr>
+        <p:style>
+          <a:lnRef idx="2">
+            <a:schemeClr val="accent1">
+              <a:shade val="50000"/>
+            </a:schemeClr>
+          </a:lnRef>
+          <a:fillRef idx="1">
+            <a:schemeClr val="accent1"/>
+          </a:fillRef>
+          <a:effectRef idx="0">
+            <a:schemeClr val="accent1"/>
+          </a:effectRef>
+          <a:fontRef idx="minor">
+            <a:schemeClr val="lt1"/>
+          </a:fontRef>
+        </p:style>
+        <p:txBody>
+          <a:bodyPr rtlCol="0" anchor="ctr"/>
+          <a:lstStyle/>
+          <a:p>
+            <a:pPr marL="285750" indent="-285750">
+              <a:spcBef>
+                <a:spcPts val="600"/>
+              </a:spcBef>
+              <a:spcAft>
+                <a:spcPts val="600"/>
+              </a:spcAft>
+              <a:buFont typeface="Arial" panose="020B0604020202020204" pitchFamily="34" charset="0"/>
+              <a:buChar char="•"/>
+            </a:pPr>
+            <a:r>
+              <a:rPr lang="en-US" sz="1750" dirty="0">
+                <a:solidFill>
+                  <a:schemeClr val="tx1"/>
+                </a:solidFill>
+              </a:rPr>
+              <a:t>Data does not suggest that COVID-19 is a strong driver of crime in Davidson County, either upward or downward. </a:t>
+            </a:r>
+          </a:p>
+          <a:p>
+            <a:pPr marL="285750" indent="-285750">
+              <a:spcBef>
+                <a:spcPts val="600"/>
+              </a:spcBef>
+              <a:spcAft>
+                <a:spcPts val="600"/>
+              </a:spcAft>
+              <a:buFont typeface="Arial" panose="020B0604020202020204" pitchFamily="34" charset="0"/>
+              <a:buChar char="•"/>
+            </a:pPr>
+            <a:r>
+              <a:rPr lang="en-US" sz="1750" dirty="0">
+                <a:solidFill>
+                  <a:schemeClr val="tx1"/>
+                </a:solidFill>
+              </a:rPr>
+              <a:t>Incidents of crime have decreased in recent years, but declines began pre-COVID-19, in 2019. </a:t>
+            </a:r>
+          </a:p>
+          <a:p>
+            <a:pPr marL="285750" indent="-285750">
+              <a:spcBef>
+                <a:spcPts val="600"/>
+              </a:spcBef>
+              <a:spcAft>
+                <a:spcPts val="600"/>
+              </a:spcAft>
+              <a:buFont typeface="Arial" panose="020B0604020202020204" pitchFamily="34" charset="0"/>
+              <a:buChar char="•"/>
+            </a:pPr>
+            <a:r>
+              <a:rPr lang="en-US" sz="1750" dirty="0">
+                <a:solidFill>
+                  <a:schemeClr val="tx1"/>
+                </a:solidFill>
+              </a:rPr>
+              <a:t>In periods coinciding with severe weather events and stay-at-home orders, there is a negative correlation between COVID-19 and criminal incidents. Otherwise, correlation is weak negative or nominal. </a:t>
+            </a:r>
+          </a:p>
+          <a:p>
+            <a:pPr marL="285750" indent="-285750">
+              <a:spcBef>
+                <a:spcPts val="600"/>
+              </a:spcBef>
+              <a:spcAft>
+                <a:spcPts val="600"/>
+              </a:spcAft>
+              <a:buFont typeface="Arial" panose="020B0604020202020204" pitchFamily="34" charset="0"/>
+              <a:buChar char="•"/>
+            </a:pPr>
+            <a:r>
+              <a:rPr lang="en-US" sz="1750" dirty="0">
+                <a:solidFill>
+                  <a:schemeClr val="tx1"/>
+                </a:solidFill>
+              </a:rPr>
+              <a:t>Peak months for COVID-19 do not coincide with peak months for criminal incidents. </a:t>
+            </a:r>
+          </a:p>
+          <a:p>
+            <a:pPr marL="285750" indent="-285750">
+              <a:spcBef>
+                <a:spcPts val="600"/>
+              </a:spcBef>
+              <a:spcAft>
+                <a:spcPts val="600"/>
+              </a:spcAft>
+              <a:buFont typeface="Arial" panose="020B0604020202020204" pitchFamily="34" charset="0"/>
+              <a:buChar char="•"/>
+            </a:pPr>
+            <a:r>
+              <a:rPr lang="en-US" sz="1750" dirty="0">
+                <a:solidFill>
+                  <a:schemeClr val="tx1"/>
+                </a:solidFill>
+              </a:rPr>
+              <a:t>Close-contact offenses did not notably decline during COVID-19, indicating that criminals were not deterred by the risk of contracting COVID-19 from their victims. </a:t>
+            </a:r>
+          </a:p>
+          <a:p>
+            <a:pPr marL="742950" lvl="1" indent="-285750">
+              <a:spcBef>
+                <a:spcPts val="600"/>
+              </a:spcBef>
+              <a:spcAft>
+                <a:spcPts val="600"/>
+              </a:spcAft>
+              <a:buFont typeface="Arial" panose="020B0604020202020204" pitchFamily="34" charset="0"/>
+              <a:buChar char="•"/>
+            </a:pPr>
+            <a:r>
+              <a:rPr lang="en-US" sz="1750" dirty="0">
+                <a:solidFill>
+                  <a:schemeClr val="tx1"/>
+                </a:solidFill>
+              </a:rPr>
+              <a:t>In 2021, close-contact offenses increased 80bps from the previous year. No-contact offenses decreased             -120bps. </a:t>
+            </a:r>
+          </a:p>
+        </p:txBody>
+      </p:sp>
+    </p:spTree>
+    <p:extLst>
+      <p:ext uri="{BB962C8B-B14F-4D97-AF65-F5344CB8AC3E}">
+        <p14:creationId xmlns:p14="http://schemas.microsoft.com/office/powerpoint/2010/main" val="90238950"/>
+      </p:ext>
+    </p:extLst>
+  </p:cSld>
+  <p:clrMapOvr>
+    <a:masterClrMapping/>
+  </p:clrMapOvr>
+</p:sld>
+</file>
+
+<file path=ppt/slides/slide12.xml><?xml version="1.0" encoding="utf-8"?>
+<p:sld xmlns:a="http://schemas.openxmlformats.org/drawingml/2006/main" xmlns:r="http://schemas.openxmlformats.org/officeDocument/2006/relationships" xmlns:p="http://schemas.openxmlformats.org/presentationml/2006/main">
+  <p:cSld>
+    <p:spTree>
+      <p:nvGrpSpPr>
+        <p:cNvPr id="1" name=""/>
+        <p:cNvGrpSpPr/>
+        <p:nvPr/>
+      </p:nvGrpSpPr>
+      <p:grpSpPr>
+        <a:xfrm>
+          <a:off x="0" y="0"/>
+          <a:ext cx="0" cy="0"/>
+          <a:chOff x="0" y="0"/>
+          <a:chExt cx="0" cy="0"/>
+        </a:xfrm>
+      </p:grpSpPr>
+      <p:sp>
+        <p:nvSpPr>
+          <p:cNvPr id="3" name="Title 2">
+            <a:extLst>
+              <a:ext uri="{FF2B5EF4-FFF2-40B4-BE49-F238E27FC236}">
+                <a16:creationId xmlns:a16="http://schemas.microsoft.com/office/drawing/2014/main" id="{7F09CFC0-875E-7030-9D06-2AA6A1EE3AE2}"/>
+              </a:ext>
+            </a:extLst>
+          </p:cNvPr>
+          <p:cNvSpPr>
+            <a:spLocks noGrp="1"/>
+          </p:cNvSpPr>
+          <p:nvPr>
+            <p:ph type="title"/>
+          </p:nvPr>
+        </p:nvSpPr>
+        <p:spPr/>
+        <p:txBody>
+          <a:bodyPr/>
+          <a:lstStyle/>
+          <a:p>
+            <a:r>
+              <a:rPr lang="en-US" dirty="0"/>
+              <a:t>Questions? </a:t>
+            </a:r>
+          </a:p>
+        </p:txBody>
+      </p:sp>
+    </p:spTree>
+    <p:extLst>
+      <p:ext uri="{BB962C8B-B14F-4D97-AF65-F5344CB8AC3E}">
+        <p14:creationId xmlns:p14="http://schemas.microsoft.com/office/powerpoint/2010/main" val="1427170641"/>
       </p:ext>
     </p:extLst>
   </p:cSld>
@@ -4050,7 +6018,7 @@
           </p:nvPr>
         </p:nvPicPr>
         <p:blipFill>
-          <a:blip r:embed="rId2">
+          <a:blip r:embed="rId3">
             <a:extLst>
               <a:ext uri="{28A0092B-C50C-407E-A947-70E740481C1C}">
                 <a14:useLocalDpi xmlns:a14="http://schemas.microsoft.com/office/drawing/2010/main" val="0"/>
@@ -4073,7 +6041,7 @@
       </p:pic>
       <mc:AlternateContent xmlns:mc="http://schemas.openxmlformats.org/markup-compatibility/2006" xmlns:p14="http://schemas.microsoft.com/office/powerpoint/2010/main">
         <mc:Choice Requires="p14">
-          <p:contentPart p14:bwMode="auto" r:id="rId3">
+          <p:contentPart p14:bwMode="auto" r:id="rId4">
             <p14:nvContentPartPr>
               <p14:cNvPr id="12" name="Ink 11">
                 <a:extLst>
@@ -4121,7 +6089,7 @@
               <p:nvPr/>
             </p:nvPicPr>
             <p:blipFill>
-              <a:blip r:embed="rId4"/>
+              <a:blip r:embed="rId5"/>
               <a:stretch>
                 <a:fillRect/>
               </a:stretch>
@@ -6837,13 +8805,13 @@
           <p:nvPr/>
         </p:nvPicPr>
         <p:blipFill>
-          <a:blip r:embed="rId5">
+          <a:blip r:embed="rId6">
             <a:extLst>
               <a:ext uri="{28A0092B-C50C-407E-A947-70E740481C1C}">
                 <a14:useLocalDpi xmlns:a14="http://schemas.microsoft.com/office/drawing/2010/main" val="0"/>
               </a:ext>
               <a:ext uri="{96DAC541-7B7A-43D3-8B79-37D633B846F1}">
-                <asvg:svgBlip xmlns:asvg="http://schemas.microsoft.com/office/drawing/2016/SVG/main" r:embed="rId6"/>
+                <asvg:svgBlip xmlns:asvg="http://schemas.microsoft.com/office/drawing/2016/SVG/main" r:embed="rId7"/>
               </a:ext>
             </a:extLst>
           </a:blip>
@@ -7221,7 +9189,7 @@
             </a:pPr>
             <a:r>
               <a:rPr lang="en-US" sz="1900" dirty="0"/>
-              <a:t>Challenge: Remove incidents from the dataset that did not occur in Davidson County</a:t>
+              <a:t>Challenge: Remove incidents from the dataset that did not occur in Davidson County.</a:t>
             </a:r>
           </a:p>
           <a:p>
@@ -7265,7 +9233,7 @@
             </a:pPr>
             <a:r>
               <a:rPr lang="en-US" sz="1900" dirty="0"/>
-              <a:t>Challenge: Clean a large (867k rows) dataset to create consistency between Offense Codes, Offense Descriptions, Weapons Code, Weapons Descriptions, and Victim Race</a:t>
+              <a:t>Challenge: Clean a large (867k rows) dataset to create consistency between Offense Codes, Offense Descriptions, Weapons Code, Weapons Descriptions, and Victim Race.</a:t>
             </a:r>
           </a:p>
           <a:p>
@@ -7287,7 +9255,7 @@
             </a:pPr>
             <a:r>
               <a:rPr lang="en-US" sz="1900" dirty="0"/>
-              <a:t>Result: Incidents are now able to be aggregated and result in more meaningful, consistent insights </a:t>
+              <a:t>Result: Incidents are now able to be aggregated and result into more meaningful, consistent insights.</a:t>
             </a:r>
           </a:p>
           <a:p>
@@ -7449,7 +9417,7 @@
             </a:pPr>
             <a:r>
               <a:rPr lang="en-US" sz="2100" dirty="0"/>
-              <a:t>Close Contact: Criminal offenses where there is a known human victim and the offense required close contact with the victim. *</a:t>
+              <a:t>Close-contact: Criminal offenses where there is a known human victim and the offense required close contact with the victim. *</a:t>
             </a:r>
           </a:p>
           <a:p>
@@ -7460,7 +9428,7 @@
             </a:pPr>
             <a:r>
               <a:rPr lang="en-US" sz="2100" dirty="0"/>
-              <a:t>No Contact: Criminal offenses that do not require close contact with another human. Often defined as crimes against “society” rather than a singular victim. *</a:t>
+              <a:t>No-contact: Criminal offenses that do not require close contact with another human. Often defined as crimes against “society” rather than a singular victim. *</a:t>
             </a:r>
           </a:p>
           <a:p>
@@ -7645,240 +9613,6 @@
           </a:p>
         </p:txBody>
       </p:sp>
-      <mc:AlternateContent xmlns:mc="http://schemas.openxmlformats.org/markup-compatibility/2006">
-        <mc:Choice xmlns:we="http://schemas.microsoft.com/office/webextensions/webextension/2010/11" xmlns:pca="http://schemas.microsoft.com/office/powerpoint/2013/contentapp" Requires="we pca">
-          <p:graphicFrame>
-            <p:nvGraphicFramePr>
-              <p:cNvPr id="2" name="Add-in 1" title="Microsoft Power BI">
-                <a:extLst>
-                  <a:ext uri="{FF2B5EF4-FFF2-40B4-BE49-F238E27FC236}">
-                    <a16:creationId xmlns:a16="http://schemas.microsoft.com/office/drawing/2014/main" id="{DA8E17AA-AD38-5B75-11E3-D54FDFFC66B8}"/>
-                  </a:ext>
-                </a:extLst>
-              </p:cNvPr>
-              <p:cNvGraphicFramePr>
-                <a:graphicFrameLocks noGrp="1"/>
-              </p:cNvGraphicFramePr>
-              <p:nvPr>
-                <p:extLst>
-                  <p:ext uri="{D42A27DB-BD31-4B8C-83A1-F6EECF244321}">
-                    <p14:modId xmlns:p14="http://schemas.microsoft.com/office/powerpoint/2010/main" val="540272691"/>
-                  </p:ext>
-                </p:extLst>
-              </p:nvPr>
-            </p:nvGraphicFramePr>
-            <p:xfrm>
-              <a:off x="0" y="773097"/>
-              <a:ext cx="12247927" cy="6298822"/>
-            </p:xfrm>
-            <a:graphic>
-              <a:graphicData uri="http://schemas.microsoft.com/office/webextensions/webextension/2010/11">
-                <we:webextensionref xmlns:we="http://schemas.microsoft.com/office/webextensions/webextension/2010/11" xmlns:r="http://schemas.openxmlformats.org/officeDocument/2006/relationships" r:id="rId2"/>
-              </a:graphicData>
-            </a:graphic>
-          </p:graphicFrame>
-        </mc:Choice>
-        <mc:Fallback>
-          <p:pic>
-            <p:nvPicPr>
-              <p:cNvPr id="2" name="Add-in 1" title="Microsoft Power BI">
-                <a:extLst>
-                  <a:ext uri="{FF2B5EF4-FFF2-40B4-BE49-F238E27FC236}">
-                    <a16:creationId xmlns:a16="http://schemas.microsoft.com/office/drawing/2014/main" id="{DA8E17AA-AD38-5B75-11E3-D54FDFFC66B8}"/>
-                  </a:ext>
-                </a:extLst>
-              </p:cNvPr>
-              <p:cNvPicPr>
-                <a:picLocks noGrp="1" noRot="1" noChangeAspect="1" noMove="1" noResize="1" noEditPoints="1" noAdjustHandles="1" noChangeArrowheads="1" noChangeShapeType="1"/>
-              </p:cNvPicPr>
-              <p:nvPr/>
-            </p:nvPicPr>
-            <p:blipFill>
-              <a:blip r:embed="rId3"/>
-              <a:stretch>
-                <a:fillRect/>
-              </a:stretch>
-            </p:blipFill>
-            <p:spPr>
-              <a:xfrm>
-                <a:off x="0" y="773097"/>
-                <a:ext cx="12247927" cy="6298822"/>
-              </a:xfrm>
-              <a:prstGeom prst="rect">
-                <a:avLst/>
-              </a:prstGeom>
-            </p:spPr>
-          </p:pic>
-        </mc:Fallback>
-      </mc:AlternateContent>
-      <p:sp>
-        <p:nvSpPr>
-          <p:cNvPr id="7" name="Rectangle 6">
-            <a:extLst>
-              <a:ext uri="{FF2B5EF4-FFF2-40B4-BE49-F238E27FC236}">
-                <a16:creationId xmlns:a16="http://schemas.microsoft.com/office/drawing/2014/main" id="{D1C0A77E-B4D2-6577-3D95-FFA81C8E60E8}"/>
-              </a:ext>
-            </a:extLst>
-          </p:cNvPr>
-          <p:cNvSpPr/>
-          <p:nvPr/>
-        </p:nvSpPr>
-        <p:spPr>
-          <a:xfrm>
-            <a:off x="8036652" y="1770076"/>
-            <a:ext cx="3967993" cy="4899171"/>
-          </a:xfrm>
-          <a:prstGeom prst="rect">
-            <a:avLst/>
-          </a:prstGeom>
-          <a:solidFill>
-            <a:schemeClr val="bg1"/>
-          </a:solidFill>
-          <a:ln>
-            <a:noFill/>
-          </a:ln>
-        </p:spPr>
-        <p:style>
-          <a:lnRef idx="2">
-            <a:schemeClr val="accent1">
-              <a:shade val="50000"/>
-            </a:schemeClr>
-          </a:lnRef>
-          <a:fillRef idx="1">
-            <a:schemeClr val="accent1"/>
-          </a:fillRef>
-          <a:effectRef idx="0">
-            <a:schemeClr val="accent1"/>
-          </a:effectRef>
-          <a:fontRef idx="minor">
-            <a:schemeClr val="lt1"/>
-          </a:fontRef>
-        </p:style>
-        <p:txBody>
-          <a:bodyPr rtlCol="0" anchor="ctr"/>
-          <a:lstStyle/>
-          <a:p>
-            <a:pPr marL="285750" indent="-285750">
-              <a:spcBef>
-                <a:spcPts val="600"/>
-              </a:spcBef>
-              <a:spcAft>
-                <a:spcPts val="600"/>
-              </a:spcAft>
-              <a:buFont typeface="Arial" panose="020B0604020202020204" pitchFamily="34" charset="0"/>
-              <a:buChar char="•"/>
-            </a:pPr>
-            <a:r>
-              <a:rPr lang="en-US" sz="1600" dirty="0">
-                <a:solidFill>
-                  <a:schemeClr val="tx1"/>
-                </a:solidFill>
-              </a:rPr>
-              <a:t>Criminal incidents per year are trending downward, with like months seeing fewer incidents per month, year over year</a:t>
-            </a:r>
-          </a:p>
-          <a:p>
-            <a:pPr marL="285750" indent="-285750">
-              <a:spcBef>
-                <a:spcPts val="600"/>
-              </a:spcBef>
-              <a:spcAft>
-                <a:spcPts val="600"/>
-              </a:spcAft>
-              <a:buFont typeface="Arial" panose="020B0604020202020204" pitchFamily="34" charset="0"/>
-              <a:buChar char="•"/>
-            </a:pPr>
-            <a:r>
-              <a:rPr lang="en-US" sz="1600" dirty="0">
-                <a:solidFill>
-                  <a:schemeClr val="tx1"/>
-                </a:solidFill>
-              </a:rPr>
-              <a:t>Overall crime decreased slightly during COVID-19, with a decrease in incidents per month of -6.9%</a:t>
-            </a:r>
-          </a:p>
-          <a:p>
-            <a:pPr marL="285750" indent="-285750">
-              <a:spcBef>
-                <a:spcPts val="600"/>
-              </a:spcBef>
-              <a:spcAft>
-                <a:spcPts val="600"/>
-              </a:spcAft>
-              <a:buFont typeface="Arial" panose="020B0604020202020204" pitchFamily="34" charset="0"/>
-              <a:buChar char="•"/>
-            </a:pPr>
-            <a:r>
-              <a:rPr lang="en-US" sz="1600" dirty="0">
-                <a:solidFill>
-                  <a:schemeClr val="tx1"/>
-                </a:solidFill>
-              </a:rPr>
-              <a:t>Notable decreases in crime coincide with “Stay at Home” events caused by COVID-19, as well as a severe winter storm:</a:t>
-            </a:r>
-          </a:p>
-          <a:p>
-            <a:pPr marL="742950" lvl="1" indent="-285750">
-              <a:spcBef>
-                <a:spcPts val="600"/>
-              </a:spcBef>
-              <a:spcAft>
-                <a:spcPts val="600"/>
-              </a:spcAft>
-              <a:buFont typeface="Arial" panose="020B0604020202020204" pitchFamily="34" charset="0"/>
-              <a:buChar char="•"/>
-            </a:pPr>
-            <a:r>
-              <a:rPr lang="en-US" sz="1600" dirty="0">
-                <a:solidFill>
-                  <a:schemeClr val="tx1"/>
-                </a:solidFill>
-              </a:rPr>
-              <a:t>Mar. 22, 2020: Governor institutes shutdown of gyms, fitness centers, limits restaurants to takeout only</a:t>
-            </a:r>
-          </a:p>
-          <a:p>
-            <a:pPr marL="742950" lvl="1" indent="-285750">
-              <a:spcBef>
-                <a:spcPts val="600"/>
-              </a:spcBef>
-              <a:spcAft>
-                <a:spcPts val="600"/>
-              </a:spcAft>
-              <a:buFont typeface="Arial" panose="020B0604020202020204" pitchFamily="34" charset="0"/>
-              <a:buChar char="•"/>
-            </a:pPr>
-            <a:r>
-              <a:rPr lang="en-US" sz="1600" dirty="0">
-                <a:solidFill>
-                  <a:schemeClr val="tx1"/>
-                </a:solidFill>
-              </a:rPr>
-              <a:t>Mar. 30, 2020: Governor institutes “Safer at Home” orders</a:t>
-            </a:r>
-          </a:p>
-          <a:p>
-            <a:pPr marL="742950" lvl="1" indent="-285750">
-              <a:spcBef>
-                <a:spcPts val="600"/>
-              </a:spcBef>
-              <a:spcAft>
-                <a:spcPts val="600"/>
-              </a:spcAft>
-              <a:buFont typeface="Arial" panose="020B0604020202020204" pitchFamily="34" charset="0"/>
-              <a:buChar char="•"/>
-            </a:pPr>
-            <a:r>
-              <a:rPr lang="en-US" sz="1600" dirty="0">
-                <a:solidFill>
-                  <a:schemeClr val="tx1"/>
-                </a:solidFill>
-              </a:rPr>
-              <a:t>Feb. 14 – 15, 2021: Davidson county experiences a severe winter storm</a:t>
-            </a:r>
-          </a:p>
-        </p:txBody>
-      </p:sp>
       <p:sp>
         <p:nvSpPr>
           <p:cNvPr id="9" name="Rectangle 8">
@@ -7931,86 +9665,240 @@
           </a:p>
         </p:txBody>
       </p:sp>
-      <p:cxnSp>
-        <p:nvCxnSpPr>
-          <p:cNvPr id="11" name="Straight Arrow Connector 10">
+      <mc:AlternateContent xmlns:mc="http://schemas.openxmlformats.org/markup-compatibility/2006">
+        <mc:Choice xmlns:we="http://schemas.microsoft.com/office/webextensions/webextension/2010/11" xmlns:pca="http://schemas.microsoft.com/office/powerpoint/2013/contentapp" Requires="we pca">
+          <p:graphicFrame>
+            <p:nvGraphicFramePr>
+              <p:cNvPr id="5" name="Add-in 4" title="Microsoft Power BI">
+                <a:extLst>
+                  <a:ext uri="{FF2B5EF4-FFF2-40B4-BE49-F238E27FC236}">
+                    <a16:creationId xmlns:a16="http://schemas.microsoft.com/office/drawing/2014/main" id="{1C650DDE-AE64-CD26-B88B-D19E7BD89306}"/>
+                  </a:ext>
+                </a:extLst>
+              </p:cNvPr>
+              <p:cNvGraphicFramePr>
+                <a:graphicFrameLocks noGrp="1"/>
+              </p:cNvGraphicFramePr>
+              <p:nvPr>
+                <p:extLst>
+                  <p:ext uri="{D42A27DB-BD31-4B8C-83A1-F6EECF244321}">
+                    <p14:modId xmlns:p14="http://schemas.microsoft.com/office/powerpoint/2010/main" val="2117490430"/>
+                  </p:ext>
+                </p:extLst>
+              </p:nvPr>
+            </p:nvGraphicFramePr>
+            <p:xfrm>
+              <a:off x="69367" y="964386"/>
+              <a:ext cx="8482263" cy="5860408"/>
+            </p:xfrm>
+            <a:graphic>
+              <a:graphicData uri="http://schemas.microsoft.com/office/webextensions/webextension/2010/11">
+                <we:webextensionref xmlns:we="http://schemas.microsoft.com/office/webextensions/webextension/2010/11" xmlns:r="http://schemas.openxmlformats.org/officeDocument/2006/relationships" r:id="rId3"/>
+              </a:graphicData>
+            </a:graphic>
+          </p:graphicFrame>
+        </mc:Choice>
+        <mc:Fallback>
+          <p:pic>
+            <p:nvPicPr>
+              <p:cNvPr id="5" name="Add-in 4" title="Microsoft Power BI">
+                <a:extLst>
+                  <a:ext uri="{FF2B5EF4-FFF2-40B4-BE49-F238E27FC236}">
+                    <a16:creationId xmlns:a16="http://schemas.microsoft.com/office/drawing/2014/main" id="{1C650DDE-AE64-CD26-B88B-D19E7BD89306}"/>
+                  </a:ext>
+                </a:extLst>
+              </p:cNvPr>
+              <p:cNvPicPr>
+                <a:picLocks noGrp="1" noRot="1" noChangeAspect="1" noMove="1" noResize="1" noEditPoints="1" noAdjustHandles="1" noChangeArrowheads="1" noChangeShapeType="1"/>
+              </p:cNvPicPr>
+              <p:nvPr/>
+            </p:nvPicPr>
+            <p:blipFill>
+              <a:blip r:embed="rId4"/>
+              <a:stretch>
+                <a:fillRect/>
+              </a:stretch>
+            </p:blipFill>
+            <p:spPr>
+              <a:xfrm>
+                <a:off x="69367" y="964386"/>
+                <a:ext cx="8482263" cy="5860408"/>
+              </a:xfrm>
+              <a:prstGeom prst="rect">
+                <a:avLst/>
+              </a:prstGeom>
+            </p:spPr>
+          </p:pic>
+        </mc:Fallback>
+      </mc:AlternateContent>
+      <p:sp>
+        <p:nvSpPr>
+          <p:cNvPr id="7" name="Rectangle 6">
             <a:extLst>
               <a:ext uri="{FF2B5EF4-FFF2-40B4-BE49-F238E27FC236}">
-                <a16:creationId xmlns:a16="http://schemas.microsoft.com/office/drawing/2014/main" id="{98F006BA-242F-5538-7E1B-D8B307E78394}"/>
+                <a16:creationId xmlns:a16="http://schemas.microsoft.com/office/drawing/2014/main" id="{D1C0A77E-B4D2-6577-3D95-FFA81C8E60E8}"/>
               </a:ext>
             </a:extLst>
           </p:cNvPr>
-          <p:cNvCxnSpPr/>
+          <p:cNvSpPr/>
           <p:nvPr/>
-        </p:nvCxnSpPr>
+        </p:nvSpPr>
         <p:spPr>
           <a:xfrm>
-            <a:off x="1996580" y="4420998"/>
-            <a:ext cx="58723" cy="494951"/>
+            <a:off x="8327441" y="912338"/>
+            <a:ext cx="3920486" cy="5926822"/>
           </a:xfrm>
-          <a:prstGeom prst="straightConnector1">
+          <a:prstGeom prst="rect">
             <a:avLst/>
           </a:prstGeom>
-          <a:ln w="19050">
-            <a:prstDash val="dash"/>
-            <a:tailEnd type="triangle"/>
+          <a:solidFill>
+            <a:schemeClr val="bg1"/>
+          </a:solidFill>
+          <a:ln>
+            <a:noFill/>
           </a:ln>
         </p:spPr>
         <p:style>
-          <a:lnRef idx="1">
-            <a:schemeClr val="accent3"/>
+          <a:lnRef idx="2">
+            <a:schemeClr val="accent1">
+              <a:shade val="50000"/>
+            </a:schemeClr>
           </a:lnRef>
-          <a:fillRef idx="0">
-            <a:schemeClr val="accent3"/>
+          <a:fillRef idx="1">
+            <a:schemeClr val="accent1"/>
           </a:fillRef>
           <a:effectRef idx="0">
-            <a:schemeClr val="accent3"/>
+            <a:schemeClr val="accent1"/>
           </a:effectRef>
           <a:fontRef idx="minor">
-            <a:schemeClr val="tx1"/>
+            <a:schemeClr val="lt1"/>
           </a:fontRef>
         </p:style>
-      </p:cxnSp>
-      <p:cxnSp>
-        <p:nvCxnSpPr>
-          <p:cNvPr id="12" name="Straight Arrow Connector 11">
-            <a:extLst>
-              <a:ext uri="{FF2B5EF4-FFF2-40B4-BE49-F238E27FC236}">
-                <a16:creationId xmlns:a16="http://schemas.microsoft.com/office/drawing/2014/main" id="{59235822-139D-8738-070D-97F318C40F03}"/>
-              </a:ext>
-            </a:extLst>
-          </p:cNvPr>
-          <p:cNvCxnSpPr/>
-          <p:nvPr/>
-        </p:nvCxnSpPr>
-        <p:spPr>
-          <a:xfrm>
-            <a:off x="3709332" y="4531453"/>
-            <a:ext cx="58723" cy="494951"/>
-          </a:xfrm>
-          <a:prstGeom prst="straightConnector1">
-            <a:avLst/>
-          </a:prstGeom>
-          <a:ln w="19050">
-            <a:prstDash val="dash"/>
-            <a:tailEnd type="triangle"/>
-          </a:ln>
-        </p:spPr>
-        <p:style>
-          <a:lnRef idx="1">
-            <a:schemeClr val="accent3"/>
-          </a:lnRef>
-          <a:fillRef idx="0">
-            <a:schemeClr val="accent3"/>
-          </a:fillRef>
-          <a:effectRef idx="0">
-            <a:schemeClr val="accent3"/>
-          </a:effectRef>
-          <a:fontRef idx="minor">
-            <a:schemeClr val="tx1"/>
-          </a:fontRef>
-        </p:style>
-      </p:cxnSp>
+        <p:txBody>
+          <a:bodyPr rtlCol="0" anchor="ctr"/>
+          <a:lstStyle/>
+          <a:p>
+            <a:pPr marL="285750" indent="-285750">
+              <a:spcBef>
+                <a:spcPts val="600"/>
+              </a:spcBef>
+              <a:spcAft>
+                <a:spcPts val="600"/>
+              </a:spcAft>
+              <a:buFont typeface="Arial" panose="020B0604020202020204" pitchFamily="34" charset="0"/>
+              <a:buChar char="•"/>
+            </a:pPr>
+            <a:r>
+              <a:rPr lang="en-US" sz="1550" dirty="0">
+                <a:solidFill>
+                  <a:schemeClr val="tx1"/>
+                </a:solidFill>
+              </a:rPr>
+              <a:t>Criminal incidents per year are trending downward, with like months seeing fewer incidents per month, year over year.</a:t>
+            </a:r>
+          </a:p>
+          <a:p>
+            <a:pPr marL="285750" indent="-285750">
+              <a:spcBef>
+                <a:spcPts val="600"/>
+              </a:spcBef>
+              <a:spcAft>
+                <a:spcPts val="600"/>
+              </a:spcAft>
+              <a:buFont typeface="Arial" panose="020B0604020202020204" pitchFamily="34" charset="0"/>
+              <a:buChar char="•"/>
+            </a:pPr>
+            <a:r>
+              <a:rPr lang="en-US" sz="1550" dirty="0">
+                <a:solidFill>
+                  <a:schemeClr val="tx1"/>
+                </a:solidFill>
+              </a:rPr>
+              <a:t>Overall crime decreased during COVID-19. Incidents / month decreased -6.9% between 2020 – 2022. </a:t>
+            </a:r>
+          </a:p>
+          <a:p>
+            <a:pPr marL="285750" indent="-285750">
+              <a:spcBef>
+                <a:spcPts val="600"/>
+              </a:spcBef>
+              <a:spcAft>
+                <a:spcPts val="600"/>
+              </a:spcAft>
+              <a:buFont typeface="Arial" panose="020B0604020202020204" pitchFamily="34" charset="0"/>
+              <a:buChar char="•"/>
+            </a:pPr>
+            <a:r>
+              <a:rPr lang="en-US" sz="1550" dirty="0">
+                <a:solidFill>
+                  <a:schemeClr val="tx1"/>
+                </a:solidFill>
+              </a:rPr>
+              <a:t>Notable decreases in crime coincide with “Stay at Home” events caused by COVID-19, as well as a severe winter storm:</a:t>
+            </a:r>
+          </a:p>
+          <a:p>
+            <a:pPr marL="742950" lvl="1" indent="-285750">
+              <a:spcBef>
+                <a:spcPts val="600"/>
+              </a:spcBef>
+              <a:spcAft>
+                <a:spcPts val="600"/>
+              </a:spcAft>
+              <a:buFont typeface="Arial" panose="020B0604020202020204" pitchFamily="34" charset="0"/>
+              <a:buChar char="•"/>
+            </a:pPr>
+            <a:r>
+              <a:rPr lang="en-US" sz="1550" dirty="0">
+                <a:solidFill>
+                  <a:schemeClr val="tx1"/>
+                </a:solidFill>
+              </a:rPr>
+              <a:t>Mar. 22, 2020: Governor institutes shutdown of gyms, fitness centers, limits restaurants to takeout only</a:t>
+            </a:r>
+          </a:p>
+          <a:p>
+            <a:pPr marL="742950" lvl="1" indent="-285750">
+              <a:spcBef>
+                <a:spcPts val="600"/>
+              </a:spcBef>
+              <a:spcAft>
+                <a:spcPts val="600"/>
+              </a:spcAft>
+              <a:buFont typeface="Arial" panose="020B0604020202020204" pitchFamily="34" charset="0"/>
+              <a:buChar char="•"/>
+            </a:pPr>
+            <a:r>
+              <a:rPr lang="en-US" sz="1550" dirty="0">
+                <a:solidFill>
+                  <a:schemeClr val="tx1"/>
+                </a:solidFill>
+              </a:rPr>
+              <a:t>Mar. 30, 2020: Governor institutes “Safer at Home” orders</a:t>
+            </a:r>
+          </a:p>
+          <a:p>
+            <a:pPr marL="742950" lvl="1" indent="-285750">
+              <a:spcBef>
+                <a:spcPts val="600"/>
+              </a:spcBef>
+              <a:spcAft>
+                <a:spcPts val="600"/>
+              </a:spcAft>
+              <a:buFont typeface="Arial" panose="020B0604020202020204" pitchFamily="34" charset="0"/>
+              <a:buChar char="•"/>
+            </a:pPr>
+            <a:r>
+              <a:rPr lang="en-US" sz="1550" dirty="0">
+                <a:solidFill>
+                  <a:schemeClr val="tx1"/>
+                </a:solidFill>
+              </a:rPr>
+              <a:t>Feb. 14 – 15, 2021: Davidson county experiences a severe winter storm</a:t>
+            </a:r>
+          </a:p>
+        </p:txBody>
+      </p:sp>
     </p:spTree>
     <p:extLst>
       <p:ext uri="{BB962C8B-B14F-4D97-AF65-F5344CB8AC3E}">
@@ -8021,126 +9909,6 @@
   <p:clrMapOvr>
     <a:masterClrMapping/>
   </p:clrMapOvr>
-  <p:timing>
-    <p:tnLst>
-      <p:par>
-        <p:cTn id="1" dur="indefinite" restart="never" nodeType="tmRoot">
-          <p:childTnLst>
-            <p:seq concurrent="1" nextAc="seek">
-              <p:cTn id="2" dur="indefinite" nodeType="mainSeq">
-                <p:childTnLst>
-                  <p:par>
-                    <p:cTn id="3" fill="hold">
-                      <p:stCondLst>
-                        <p:cond delay="indefinite"/>
-                      </p:stCondLst>
-                      <p:childTnLst>
-                        <p:par>
-                          <p:cTn id="4" fill="hold">
-                            <p:stCondLst>
-                              <p:cond delay="0"/>
-                            </p:stCondLst>
-                            <p:childTnLst>
-                              <p:par>
-                                <p:cTn id="5" presetID="1" presetClass="entr" presetSubtype="0" fill="hold" nodeType="clickEffect">
-                                  <p:stCondLst>
-                                    <p:cond delay="0"/>
-                                  </p:stCondLst>
-                                  <p:childTnLst>
-                                    <p:set>
-                                      <p:cBhvr>
-                                        <p:cTn id="6" dur="1" fill="hold">
-                                          <p:stCondLst>
-                                            <p:cond delay="249"/>
-                                          </p:stCondLst>
-                                        </p:cTn>
-                                        <p:tgtEl>
-                                          <p:spTgt spid="11"/>
-                                        </p:tgtEl>
-                                        <p:attrNameLst>
-                                          <p:attrName>style.visibility</p:attrName>
-                                        </p:attrNameLst>
-                                      </p:cBhvr>
-                                      <p:to>
-                                        <p:strVal val="visible"/>
-                                      </p:to>
-                                    </p:set>
-                                  </p:childTnLst>
-                                </p:cTn>
-                              </p:par>
-                            </p:childTnLst>
-                          </p:cTn>
-                        </p:par>
-                      </p:childTnLst>
-                    </p:cTn>
-                  </p:par>
-                  <p:par>
-                    <p:cTn id="7" fill="hold">
-                      <p:stCondLst>
-                        <p:cond delay="indefinite"/>
-                      </p:stCondLst>
-                      <p:childTnLst>
-                        <p:par>
-                          <p:cTn id="8" fill="hold">
-                            <p:stCondLst>
-                              <p:cond delay="0"/>
-                            </p:stCondLst>
-                            <p:childTnLst>
-                              <p:par>
-                                <p:cTn id="9" presetID="1" presetClass="entr" presetSubtype="0" fill="hold" nodeType="clickEffect">
-                                  <p:stCondLst>
-                                    <p:cond delay="0"/>
-                                  </p:stCondLst>
-                                  <p:childTnLst>
-                                    <p:set>
-                                      <p:cBhvr>
-                                        <p:cTn id="10" dur="1" fill="hold">
-                                          <p:stCondLst>
-                                            <p:cond delay="249"/>
-                                          </p:stCondLst>
-                                        </p:cTn>
-                                        <p:tgtEl>
-                                          <p:spTgt spid="12"/>
-                                        </p:tgtEl>
-                                        <p:attrNameLst>
-                                          <p:attrName>style.visibility</p:attrName>
-                                        </p:attrNameLst>
-                                      </p:cBhvr>
-                                      <p:to>
-                                        <p:strVal val="visible"/>
-                                      </p:to>
-                                    </p:set>
-                                  </p:childTnLst>
-                                </p:cTn>
-                              </p:par>
-                            </p:childTnLst>
-                          </p:cTn>
-                        </p:par>
-                      </p:childTnLst>
-                    </p:cTn>
-                  </p:par>
-                </p:childTnLst>
-              </p:cTn>
-              <p:prevCondLst>
-                <p:cond evt="onPrev" delay="0">
-                  <p:tgtEl>
-                    <p:sldTgt/>
-                  </p:tgtEl>
-                </p:cond>
-              </p:prevCondLst>
-              <p:nextCondLst>
-                <p:cond evt="onNext" delay="0">
-                  <p:tgtEl>
-                    <p:sldTgt/>
-                  </p:tgtEl>
-                </p:cond>
-              </p:nextCondLst>
-            </p:seq>
-          </p:childTnLst>
-        </p:cTn>
-      </p:par>
-    </p:tnLst>
-  </p:timing>
 </p:sld>
 </file>
 
@@ -8218,8 +9986,8 @@
         </p:nvSpPr>
         <p:spPr>
           <a:xfrm>
-            <a:off x="4765134" y="2252662"/>
-            <a:ext cx="6000139" cy="2847975"/>
+            <a:off x="4958884" y="1884695"/>
+            <a:ext cx="6151138" cy="2847975"/>
           </a:xfrm>
           <a:prstGeom prst="rect">
             <a:avLst/>
@@ -8267,7 +10035,7 @@
                   <a:schemeClr val="tx1"/>
                 </a:solidFill>
               </a:rPr>
-              <a:t>Average incidents per month declined year over year from 2020 – 2021</a:t>
+              <a:t>Average incidents per month declined yearly from 2019 – 2021.</a:t>
             </a:r>
           </a:p>
           <a:p>
@@ -8287,7 +10055,7 @@
                   <a:schemeClr val="tx1"/>
                 </a:solidFill>
               </a:rPr>
-              <a:t>With only 5 months of data in 2022, the year may surpass all other years in the number of criminal incidents, should average incidents / month remain the same </a:t>
+              <a:t>2022 appears to be a continuation of this trend, though there are only 5 months of data to draw from. </a:t>
             </a:r>
           </a:p>
           <a:p>
@@ -8307,38 +10075,17 @@
                   <a:schemeClr val="tx1"/>
                 </a:solidFill>
               </a:rPr>
-              <a:t>While speculative,  there may be a weak negative correlation between COVID-19 confirmed cases and a decrease in crime within Davidson County</a:t>
-            </a:r>
-          </a:p>
-          <a:p>
-            <a:pPr marL="285750" indent="-285750">
-              <a:spcBef>
-                <a:spcPts val="600"/>
-              </a:spcBef>
-              <a:spcAft>
-                <a:spcPts val="600"/>
-              </a:spcAft>
-              <a:buFont typeface="Arial" panose="020B0604020202020204" pitchFamily="34" charset="0"/>
-              <a:buChar char="•"/>
-            </a:pPr>
-            <a:r>
-              <a:rPr lang="en-US" dirty="0">
-                <a:solidFill>
-                  <a:schemeClr val="tx1"/>
-                </a:solidFill>
-              </a:rPr>
-              <a:t>Months ranking highest for COVID-19 cases ranked generally low for number of criminal incidents*</a:t>
+              <a:t>While speculative,  there may be a weak negative correlation between COVID-19 confirmed cases and a decrease in crime within Davidson County.</a:t>
             </a:r>
           </a:p>
         </p:txBody>
       </p:sp>
       <p:pic>
         <p:nvPicPr>
-          <p:cNvPr id="6" name="Picture" title="This slide contains the following visuals: Criminal Incidents by Month &amp; Year: Davidson County, TN ,Criminal Incidents &amp; Confirmed COVID-19 Cases by Month&amp; Year: Davidson County, TN ,slicer ,slicer ,Ranking of Confirmed COVID-19 Cases &amp; Criminal Incidents by Month &amp; Year ,Average Criminal Incidents per Month ,textbox ,textbox ,2015 - 2019 ,2020 - 2022 ,textbox. Please refer to the notes on this slide for details">
-            <a:hlinkClick r:id="rId2"/>
+          <p:cNvPr id="2" name="Picture 1">
             <a:extLst>
               <a:ext uri="{FF2B5EF4-FFF2-40B4-BE49-F238E27FC236}">
-                <a16:creationId xmlns:a16="http://schemas.microsoft.com/office/drawing/2014/main" id="{E8E46AFB-7186-9FA2-105B-7AE2B35F36F0}"/>
+                <a16:creationId xmlns:a16="http://schemas.microsoft.com/office/drawing/2014/main" id="{364AD179-ECDC-8566-7218-95218EFB574E}"/>
               </a:ext>
             </a:extLst>
           </p:cNvPr>
@@ -8347,69 +10094,22 @@
           </p:cNvPicPr>
           <p:nvPr/>
         </p:nvPicPr>
-        <p:blipFill rotWithShape="1">
+        <p:blipFill>
           <a:blip r:embed="rId3"/>
-          <a:srcRect l="67847" t="16464"/>
-          <a:stretch/>
+          <a:stretch>
+            <a:fillRect/>
+          </a:stretch>
         </p:blipFill>
         <p:spPr>
           <a:xfrm>
-            <a:off x="388503" y="785419"/>
-            <a:ext cx="4250172" cy="5636366"/>
+            <a:off x="0" y="1545746"/>
+            <a:ext cx="4958884" cy="3766507"/>
           </a:xfrm>
           <a:prstGeom prst="rect">
             <a:avLst/>
           </a:prstGeom>
-          <a:noFill/>
         </p:spPr>
       </p:pic>
-      <p:sp>
-        <p:nvSpPr>
-          <p:cNvPr id="8" name="TextBox 7">
-            <a:extLst>
-              <a:ext uri="{FF2B5EF4-FFF2-40B4-BE49-F238E27FC236}">
-                <a16:creationId xmlns:a16="http://schemas.microsoft.com/office/drawing/2014/main" id="{4521C73E-BFA2-0B3A-A30A-B1597A494AA4}"/>
-              </a:ext>
-            </a:extLst>
-          </p:cNvPr>
-          <p:cNvSpPr txBox="1"/>
-          <p:nvPr/>
-        </p:nvSpPr>
-        <p:spPr>
-          <a:xfrm>
-            <a:off x="185844" y="6214036"/>
-            <a:ext cx="4300431" cy="415498"/>
-          </a:xfrm>
-          <a:prstGeom prst="rect">
-            <a:avLst/>
-          </a:prstGeom>
-          <a:noFill/>
-        </p:spPr>
-        <p:txBody>
-          <a:bodyPr wrap="square">
-            <a:spAutoFit/>
-          </a:bodyPr>
-          <a:lstStyle/>
-          <a:p>
-            <a:pPr lvl="1">
-              <a:spcBef>
-                <a:spcPts val="600"/>
-              </a:spcBef>
-              <a:spcAft>
-                <a:spcPts val="600"/>
-              </a:spcAft>
-            </a:pPr>
-            <a:r>
-              <a:rPr lang="en-US" sz="1050" dirty="0">
-                <a:solidFill>
-                  <a:schemeClr val="tx1"/>
-                </a:solidFill>
-              </a:rPr>
-              <a:t>*There are 89 possible months in the Metro Nashville Police Department’s criminal incidents dataset </a:t>
-            </a:r>
-          </a:p>
-        </p:txBody>
-      </p:sp>
     </p:spTree>
     <p:extLst>
       <p:ext uri="{BB962C8B-B14F-4D97-AF65-F5344CB8AC3E}">
@@ -8469,22 +10169,127 @@
         <p:spPr>
           <a:xfrm>
             <a:off x="69367" y="81095"/>
-            <a:ext cx="10798658" cy="590024"/>
+            <a:ext cx="9810604" cy="590024"/>
           </a:xfrm>
         </p:spPr>
         <p:txBody>
-          <a:bodyPr>
-            <a:normAutofit fontScale="90000"/>
+          <a:bodyPr/>
+          <a:lstStyle/>
+          <a:p>
+            <a:r>
+              <a:rPr lang="en-US" dirty="0"/>
+              <a:t>TRENDS IN CRIME &amp; COVID-19</a:t>
+            </a:r>
+          </a:p>
+        </p:txBody>
+      </p:sp>
+      <p:sp>
+        <p:nvSpPr>
+          <p:cNvPr id="8" name="TextBox 7">
+            <a:extLst>
+              <a:ext uri="{FF2B5EF4-FFF2-40B4-BE49-F238E27FC236}">
+                <a16:creationId xmlns:a16="http://schemas.microsoft.com/office/drawing/2014/main" id="{4521C73E-BFA2-0B3A-A30A-B1597A494AA4}"/>
+              </a:ext>
+            </a:extLst>
+          </p:cNvPr>
+          <p:cNvSpPr txBox="1"/>
+          <p:nvPr/>
+        </p:nvSpPr>
+        <p:spPr>
+          <a:xfrm>
+            <a:off x="-225837" y="4077225"/>
+            <a:ext cx="5645791" cy="230832"/>
+          </a:xfrm>
+          <a:prstGeom prst="rect">
+            <a:avLst/>
+          </a:prstGeom>
+          <a:noFill/>
+        </p:spPr>
+        <p:txBody>
+          <a:bodyPr wrap="square">
+            <a:spAutoFit/>
           </a:bodyPr>
           <a:lstStyle/>
           <a:p>
-            <a:r>
-              <a:rPr lang="en-US" dirty="0"/>
-              <a:t>CRIMINAL OFFENSE TRENDS DURING COVID-19</a:t>
+            <a:pPr lvl="1">
+              <a:spcBef>
+                <a:spcPts val="600"/>
+              </a:spcBef>
+              <a:spcAft>
+                <a:spcPts val="600"/>
+              </a:spcAft>
+            </a:pPr>
+            <a:r>
+              <a:rPr lang="en-US" sz="900" i="1" dirty="0">
+                <a:solidFill>
+                  <a:schemeClr val="tx1"/>
+                </a:solidFill>
+              </a:rPr>
+              <a:t>*There are 89 possible months in the Metro Nashville Police Department’s criminal incidents dataset </a:t>
             </a:r>
           </a:p>
         </p:txBody>
       </p:sp>
+      <p:pic>
+        <p:nvPicPr>
+          <p:cNvPr id="6" name="Picture 5">
+            <a:extLst>
+              <a:ext uri="{FF2B5EF4-FFF2-40B4-BE49-F238E27FC236}">
+                <a16:creationId xmlns:a16="http://schemas.microsoft.com/office/drawing/2014/main" id="{19C91E34-4246-FCB8-334E-E9F5891E8AAC}"/>
+              </a:ext>
+            </a:extLst>
+          </p:cNvPr>
+          <p:cNvPicPr>
+            <a:picLocks noChangeAspect="1"/>
+          </p:cNvPicPr>
+          <p:nvPr/>
+        </p:nvPicPr>
+        <p:blipFill>
+          <a:blip r:embed="rId3"/>
+          <a:stretch>
+            <a:fillRect/>
+          </a:stretch>
+        </p:blipFill>
+        <p:spPr>
+          <a:xfrm>
+            <a:off x="376990" y="790050"/>
+            <a:ext cx="4724400" cy="3981450"/>
+          </a:xfrm>
+          <a:prstGeom prst="rect">
+            <a:avLst/>
+          </a:prstGeom>
+        </p:spPr>
+      </p:pic>
+      <p:pic>
+        <p:nvPicPr>
+          <p:cNvPr id="10" name="Picture 9">
+            <a:extLst>
+              <a:ext uri="{FF2B5EF4-FFF2-40B4-BE49-F238E27FC236}">
+                <a16:creationId xmlns:a16="http://schemas.microsoft.com/office/drawing/2014/main" id="{BB1B066D-9A3A-CE97-1782-70337E29D2AB}"/>
+              </a:ext>
+            </a:extLst>
+          </p:cNvPr>
+          <p:cNvPicPr>
+            <a:picLocks noChangeAspect="1"/>
+          </p:cNvPicPr>
+          <p:nvPr/>
+        </p:nvPicPr>
+        <p:blipFill>
+          <a:blip r:embed="rId4"/>
+          <a:stretch>
+            <a:fillRect/>
+          </a:stretch>
+        </p:blipFill>
+        <p:spPr>
+          <a:xfrm>
+            <a:off x="5937333" y="790050"/>
+            <a:ext cx="4143375" cy="3714750"/>
+          </a:xfrm>
+          <a:prstGeom prst="rect">
+            <a:avLst/>
+          </a:prstGeom>
+        </p:spPr>
+      </p:pic>
       <p:sp>
         <p:nvSpPr>
           <p:cNvPr id="7" name="Rectangle 6">
@@ -8499,13 +10304,15 @@
         </p:nvSpPr>
         <p:spPr>
           <a:xfrm>
-            <a:off x="8031810" y="2565413"/>
-            <a:ext cx="3967055" cy="2847975"/>
+            <a:off x="654239" y="5540705"/>
+            <a:ext cx="10048678" cy="838899"/>
           </a:xfrm>
           <a:prstGeom prst="rect">
             <a:avLst/>
           </a:prstGeom>
-          <a:noFill/>
+          <a:solidFill>
+            <a:schemeClr val="bg1"/>
+          </a:solidFill>
           <a:ln>
             <a:noFill/>
           </a:ln>
@@ -8532,10 +10339,10 @@
           <a:p>
             <a:pPr marL="285750" indent="-285750">
               <a:spcBef>
-                <a:spcPts val="300"/>
+                <a:spcPts val="600"/>
               </a:spcBef>
               <a:spcAft>
-                <a:spcPts val="300"/>
+                <a:spcPts val="600"/>
               </a:spcAft>
               <a:buFont typeface="Arial" panose="020B0604020202020204" pitchFamily="34" charset="0"/>
               <a:buChar char="•"/>
@@ -8546,16 +10353,16 @@
                   <a:schemeClr val="tx1"/>
                 </a:solidFill>
               </a:rPr>
-              <a:t>There was no notable decrease in “close contact” offenses during the COVID-19 period (Mar. 2020 – May 2022)</a:t>
-            </a:r>
-          </a:p>
-          <a:p>
-            <a:pPr marL="742950" lvl="1" indent="-285750">
+              <a:t>Months ranking highest for COVID-19 cases ranked low for number of criminal incidents.*</a:t>
+            </a:r>
+          </a:p>
+          <a:p>
+            <a:pPr marL="285750" indent="-285750">
               <a:spcBef>
-                <a:spcPts val="300"/>
+                <a:spcPts val="600"/>
               </a:spcBef>
               <a:spcAft>
-                <a:spcPts val="300"/>
+                <a:spcPts val="600"/>
               </a:spcAft>
               <a:buFont typeface="Arial" panose="020B0604020202020204" pitchFamily="34" charset="0"/>
               <a:buChar char="•"/>
@@ -8566,32 +10373,36 @@
                   <a:schemeClr val="tx1"/>
                 </a:solidFill>
               </a:rPr>
-              <a:t>2021 was the 3</a:t>
-            </a:r>
-            <a:r>
-              <a:rPr lang="en-US" baseline="30000" dirty="0">
-                <a:solidFill>
-                  <a:schemeClr val="tx1"/>
-                </a:solidFill>
-              </a:rPr>
-              <a:t>rd</a:t>
-            </a:r>
+              <a:t>Of the 11 months shown, only one month (July 2020) correlates to a top-ranking month in criminal incidents.</a:t>
+            </a:r>
+          </a:p>
+          <a:p>
+            <a:pPr marL="742950" lvl="1" indent="-285750">
+              <a:spcBef>
+                <a:spcPts val="600"/>
+              </a:spcBef>
+              <a:spcAft>
+                <a:spcPts val="600"/>
+              </a:spcAft>
+              <a:buFont typeface="Arial" panose="020B0604020202020204" pitchFamily="34" charset="0"/>
+              <a:buChar char="•"/>
+            </a:pPr>
             <a:r>
               <a:rPr lang="en-US" dirty="0">
                 <a:solidFill>
                   <a:schemeClr val="tx1"/>
                 </a:solidFill>
               </a:rPr>
-              <a:t> highest year for these offenses, with 13.8% of incidents considered “close contact”</a:t>
+              <a:t>July 2020 ranks in the top 25% for number of criminal incidents in a single month.</a:t>
             </a:r>
           </a:p>
           <a:p>
             <a:pPr marL="285750" indent="-285750">
               <a:spcBef>
-                <a:spcPts val="300"/>
+                <a:spcPts val="600"/>
               </a:spcBef>
               <a:spcAft>
-                <a:spcPts val="300"/>
+                <a:spcPts val="600"/>
               </a:spcAft>
               <a:buFont typeface="Arial" panose="020B0604020202020204" pitchFamily="34" charset="0"/>
               <a:buChar char="•"/>
@@ -8602,121 +10413,32 @@
                   <a:schemeClr val="tx1"/>
                 </a:solidFill>
               </a:rPr>
-              <a:t>Offense types trended similarly before and during COVID, with Family Offenses, Aggravated Assault, and Simple Assault remaining the top 3 close contact offenses year over year</a:t>
+              <a:t>From March 2020 – May 2022, only 9 days peak for both confirmed COVID-19 cases and criminal incidents.</a:t>
             </a:r>
           </a:p>
           <a:p>
             <a:pPr marL="285750" indent="-285750">
               <a:spcBef>
-                <a:spcPts val="300"/>
+                <a:spcPts val="600"/>
               </a:spcBef>
               <a:spcAft>
-                <a:spcPts val="300"/>
+                <a:spcPts val="600"/>
               </a:spcAft>
               <a:buFont typeface="Arial" panose="020B0604020202020204" pitchFamily="34" charset="0"/>
               <a:buChar char="•"/>
             </a:pPr>
-            <a:r>
-              <a:rPr lang="en-US" dirty="0">
-                <a:solidFill>
-                  <a:schemeClr val="tx1"/>
-                </a:solidFill>
-              </a:rPr>
-              <a:t>Conversely, “no contact” offenses were at their lowest in 2021</a:t>
-            </a:r>
-          </a:p>
-          <a:p>
-            <a:pPr marL="742950" lvl="1" indent="-285750">
-              <a:spcBef>
-                <a:spcPts val="300"/>
-              </a:spcBef>
-              <a:spcAft>
-                <a:spcPts val="300"/>
-              </a:spcAft>
-              <a:buFont typeface="Arial" panose="020B0604020202020204" pitchFamily="34" charset="0"/>
-              <a:buChar char="•"/>
-            </a:pPr>
-            <a:r>
-              <a:rPr lang="en-US" dirty="0">
-                <a:solidFill>
-                  <a:schemeClr val="tx1"/>
-                </a:solidFill>
-              </a:rPr>
-              <a:t>Narcotic violations, Vandalism and Theft from Motor Vehicles all decreased from 2020 to 2021</a:t>
-            </a:r>
+            <a:endParaRPr lang="en-US" dirty="0">
+              <a:solidFill>
+                <a:schemeClr val="tx1"/>
+              </a:solidFill>
+            </a:endParaRPr>
           </a:p>
         </p:txBody>
       </p:sp>
-      <mc:AlternateContent xmlns:mc="http://schemas.openxmlformats.org/markup-compatibility/2006">
-        <mc:Choice xmlns:we="http://schemas.microsoft.com/office/webextensions/webextension/2010/11" xmlns:pca="http://schemas.microsoft.com/office/powerpoint/2013/contentapp" Requires="we pca">
-          <p:graphicFrame>
-            <p:nvGraphicFramePr>
-              <p:cNvPr id="2" name="Add-in 1" title="Microsoft Power BI">
-                <a:extLst>
-                  <a:ext uri="{FF2B5EF4-FFF2-40B4-BE49-F238E27FC236}">
-                    <a16:creationId xmlns:a16="http://schemas.microsoft.com/office/drawing/2014/main" id="{68C96327-17C7-209C-2E77-745509505F6A}"/>
-                  </a:ext>
-                </a:extLst>
-              </p:cNvPr>
-              <p:cNvGraphicFramePr>
-                <a:graphicFrameLocks noGrp="1"/>
-              </p:cNvGraphicFramePr>
-              <p:nvPr>
-                <p:extLst>
-                  <p:ext uri="{D42A27DB-BD31-4B8C-83A1-F6EECF244321}">
-                    <p14:modId xmlns:p14="http://schemas.microsoft.com/office/powerpoint/2010/main" val="1717663683"/>
-                  </p:ext>
-                </p:extLst>
-              </p:nvPr>
-            </p:nvGraphicFramePr>
-            <p:xfrm>
-              <a:off x="193133" y="1072224"/>
-              <a:ext cx="7838677" cy="5423826"/>
-            </p:xfrm>
-            <a:graphic>
-              <a:graphicData uri="http://schemas.microsoft.com/office/webextensions/webextension/2010/11">
-                <we:webextensionref xmlns:we="http://schemas.microsoft.com/office/webextensions/webextension/2010/11" xmlns:r="http://schemas.openxmlformats.org/officeDocument/2006/relationships" r:id="rId2"/>
-              </a:graphicData>
-            </a:graphic>
-          </p:graphicFrame>
-        </mc:Choice>
-        <mc:Fallback>
-          <p:pic>
-            <p:nvPicPr>
-              <p:cNvPr id="2" name="Add-in 1" title="Microsoft Power BI">
-                <a:extLst>
-                  <a:ext uri="{FF2B5EF4-FFF2-40B4-BE49-F238E27FC236}">
-                    <a16:creationId xmlns:a16="http://schemas.microsoft.com/office/drawing/2014/main" id="{68C96327-17C7-209C-2E77-745509505F6A}"/>
-                  </a:ext>
-                </a:extLst>
-              </p:cNvPr>
-              <p:cNvPicPr>
-                <a:picLocks noGrp="1" noRot="1" noChangeAspect="1" noMove="1" noResize="1" noEditPoints="1" noAdjustHandles="1" noChangeArrowheads="1" noChangeShapeType="1"/>
-              </p:cNvPicPr>
-              <p:nvPr/>
-            </p:nvPicPr>
-            <p:blipFill>
-              <a:blip r:embed="rId3"/>
-              <a:stretch>
-                <a:fillRect/>
-              </a:stretch>
-            </p:blipFill>
-            <p:spPr>
-              <a:xfrm>
-                <a:off x="193133" y="1072224"/>
-                <a:ext cx="7838677" cy="5423826"/>
-              </a:xfrm>
-              <a:prstGeom prst="rect">
-                <a:avLst/>
-              </a:prstGeom>
-            </p:spPr>
-          </p:pic>
-        </mc:Fallback>
-      </mc:AlternateContent>
     </p:spTree>
     <p:extLst>
       <p:ext uri="{BB962C8B-B14F-4D97-AF65-F5344CB8AC3E}">
-        <p14:creationId xmlns:p14="http://schemas.microsoft.com/office/powerpoint/2010/main" val="2085949219"/>
+        <p14:creationId xmlns:p14="http://schemas.microsoft.com/office/powerpoint/2010/main" val="3606949217"/>
       </p:ext>
     </p:extLst>
   </p:cSld>
@@ -8927,27 +10649,322 @@
 </a:theme>
 </file>
 
+<file path=ppt/theme/theme2.xml><?xml version="1.0" encoding="utf-8"?>
+<a:theme xmlns:a="http://schemas.openxmlformats.org/drawingml/2006/main" name="Office Theme">
+  <a:themeElements>
+    <a:clrScheme name="Office">
+      <a:dk1>
+        <a:sysClr val="windowText" lastClr="000000"/>
+      </a:dk1>
+      <a:lt1>
+        <a:sysClr val="window" lastClr="FFFFFF"/>
+      </a:lt1>
+      <a:dk2>
+        <a:srgbClr val="44546A"/>
+      </a:dk2>
+      <a:lt2>
+        <a:srgbClr val="E7E6E6"/>
+      </a:lt2>
+      <a:accent1>
+        <a:srgbClr val="4472C4"/>
+      </a:accent1>
+      <a:accent2>
+        <a:srgbClr val="ED7D31"/>
+      </a:accent2>
+      <a:accent3>
+        <a:srgbClr val="A5A5A5"/>
+      </a:accent3>
+      <a:accent4>
+        <a:srgbClr val="FFC000"/>
+      </a:accent4>
+      <a:accent5>
+        <a:srgbClr val="5B9BD5"/>
+      </a:accent5>
+      <a:accent6>
+        <a:srgbClr val="70AD47"/>
+      </a:accent6>
+      <a:hlink>
+        <a:srgbClr val="0563C1"/>
+      </a:hlink>
+      <a:folHlink>
+        <a:srgbClr val="954F72"/>
+      </a:folHlink>
+    </a:clrScheme>
+    <a:fontScheme name="Office">
+      <a:majorFont>
+        <a:latin typeface="Calibri Light" panose="020F0302020204030204"/>
+        <a:ea typeface=""/>
+        <a:cs typeface=""/>
+        <a:font script="Jpan" typeface="游ゴシック Light"/>
+        <a:font script="Hang" typeface="맑은 고딕"/>
+        <a:font script="Hans" typeface="等线 Light"/>
+        <a:font script="Hant" typeface="新細明體"/>
+        <a:font script="Arab" typeface="Times New Roman"/>
+        <a:font script="Hebr" typeface="Times New Roman"/>
+        <a:font script="Thai" typeface="Angsana New"/>
+        <a:font script="Ethi" typeface="Nyala"/>
+        <a:font script="Beng" typeface="Vrinda"/>
+        <a:font script="Gujr" typeface="Shruti"/>
+        <a:font script="Khmr" typeface="MoolBoran"/>
+        <a:font script="Knda" typeface="Tunga"/>
+        <a:font script="Guru" typeface="Raavi"/>
+        <a:font script="Cans" typeface="Euphemia"/>
+        <a:font script="Cher" typeface="Plantagenet Cherokee"/>
+        <a:font script="Yiii" typeface="Microsoft Yi Baiti"/>
+        <a:font script="Tibt" typeface="Microsoft Himalaya"/>
+        <a:font script="Thaa" typeface="MV Boli"/>
+        <a:font script="Deva" typeface="Mangal"/>
+        <a:font script="Telu" typeface="Gautami"/>
+        <a:font script="Taml" typeface="Latha"/>
+        <a:font script="Syrc" typeface="Estrangelo Edessa"/>
+        <a:font script="Orya" typeface="Kalinga"/>
+        <a:font script="Mlym" typeface="Kartika"/>
+        <a:font script="Laoo" typeface="DokChampa"/>
+        <a:font script="Sinh" typeface="Iskoola Pota"/>
+        <a:font script="Mong" typeface="Mongolian Baiti"/>
+        <a:font script="Viet" typeface="Times New Roman"/>
+        <a:font script="Uigh" typeface="Microsoft Uighur"/>
+        <a:font script="Geor" typeface="Sylfaen"/>
+        <a:font script="Armn" typeface="Arial"/>
+        <a:font script="Bugi" typeface="Leelawadee UI"/>
+        <a:font script="Bopo" typeface="Microsoft JhengHei"/>
+        <a:font script="Java" typeface="Javanese Text"/>
+        <a:font script="Lisu" typeface="Segoe UI"/>
+        <a:font script="Mymr" typeface="Myanmar Text"/>
+        <a:font script="Nkoo" typeface="Ebrima"/>
+        <a:font script="Olck" typeface="Nirmala UI"/>
+        <a:font script="Osma" typeface="Ebrima"/>
+        <a:font script="Phag" typeface="Phagspa"/>
+        <a:font script="Syrn" typeface="Estrangelo Edessa"/>
+        <a:font script="Syrj" typeface="Estrangelo Edessa"/>
+        <a:font script="Syre" typeface="Estrangelo Edessa"/>
+        <a:font script="Sora" typeface="Nirmala UI"/>
+        <a:font script="Tale" typeface="Microsoft Tai Le"/>
+        <a:font script="Talu" typeface="Microsoft New Tai Lue"/>
+        <a:font script="Tfng" typeface="Ebrima"/>
+      </a:majorFont>
+      <a:minorFont>
+        <a:latin typeface="Calibri" panose="020F0502020204030204"/>
+        <a:ea typeface=""/>
+        <a:cs typeface=""/>
+        <a:font script="Jpan" typeface="游ゴシック"/>
+        <a:font script="Hang" typeface="맑은 고딕"/>
+        <a:font script="Hans" typeface="等线"/>
+        <a:font script="Hant" typeface="新細明體"/>
+        <a:font script="Arab" typeface="Arial"/>
+        <a:font script="Hebr" typeface="Arial"/>
+        <a:font script="Thai" typeface="Cordia New"/>
+        <a:font script="Ethi" typeface="Nyala"/>
+        <a:font script="Beng" typeface="Vrinda"/>
+        <a:font script="Gujr" typeface="Shruti"/>
+        <a:font script="Khmr" typeface="DaunPenh"/>
+        <a:font script="Knda" typeface="Tunga"/>
+        <a:font script="Guru" typeface="Raavi"/>
+        <a:font script="Cans" typeface="Euphemia"/>
+        <a:font script="Cher" typeface="Plantagenet Cherokee"/>
+        <a:font script="Yiii" typeface="Microsoft Yi Baiti"/>
+        <a:font script="Tibt" typeface="Microsoft Himalaya"/>
+        <a:font script="Thaa" typeface="MV Boli"/>
+        <a:font script="Deva" typeface="Mangal"/>
+        <a:font script="Telu" typeface="Gautami"/>
+        <a:font script="Taml" typeface="Latha"/>
+        <a:font script="Syrc" typeface="Estrangelo Edessa"/>
+        <a:font script="Orya" typeface="Kalinga"/>
+        <a:font script="Mlym" typeface="Kartika"/>
+        <a:font script="Laoo" typeface="DokChampa"/>
+        <a:font script="Sinh" typeface="Iskoola Pota"/>
+        <a:font script="Mong" typeface="Mongolian Baiti"/>
+        <a:font script="Viet" typeface="Arial"/>
+        <a:font script="Uigh" typeface="Microsoft Uighur"/>
+        <a:font script="Geor" typeface="Sylfaen"/>
+        <a:font script="Armn" typeface="Arial"/>
+        <a:font script="Bugi" typeface="Leelawadee UI"/>
+        <a:font script="Bopo" typeface="Microsoft JhengHei"/>
+        <a:font script="Java" typeface="Javanese Text"/>
+        <a:font script="Lisu" typeface="Segoe UI"/>
+        <a:font script="Mymr" typeface="Myanmar Text"/>
+        <a:font script="Nkoo" typeface="Ebrima"/>
+        <a:font script="Olck" typeface="Nirmala UI"/>
+        <a:font script="Osma" typeface="Ebrima"/>
+        <a:font script="Phag" typeface="Phagspa"/>
+        <a:font script="Syrn" typeface="Estrangelo Edessa"/>
+        <a:font script="Syrj" typeface="Estrangelo Edessa"/>
+        <a:font script="Syre" typeface="Estrangelo Edessa"/>
+        <a:font script="Sora" typeface="Nirmala UI"/>
+        <a:font script="Tale" typeface="Microsoft Tai Le"/>
+        <a:font script="Talu" typeface="Microsoft New Tai Lue"/>
+        <a:font script="Tfng" typeface="Ebrima"/>
+      </a:minorFont>
+    </a:fontScheme>
+    <a:fmtScheme name="Office">
+      <a:fillStyleLst>
+        <a:solidFill>
+          <a:schemeClr val="phClr"/>
+        </a:solidFill>
+        <a:gradFill rotWithShape="1">
+          <a:gsLst>
+            <a:gs pos="0">
+              <a:schemeClr val="phClr">
+                <a:lumMod val="110000"/>
+                <a:satMod val="105000"/>
+                <a:tint val="67000"/>
+              </a:schemeClr>
+            </a:gs>
+            <a:gs pos="50000">
+              <a:schemeClr val="phClr">
+                <a:lumMod val="105000"/>
+                <a:satMod val="103000"/>
+                <a:tint val="73000"/>
+              </a:schemeClr>
+            </a:gs>
+            <a:gs pos="100000">
+              <a:schemeClr val="phClr">
+                <a:lumMod val="105000"/>
+                <a:satMod val="109000"/>
+                <a:tint val="81000"/>
+              </a:schemeClr>
+            </a:gs>
+          </a:gsLst>
+          <a:lin ang="5400000" scaled="0"/>
+        </a:gradFill>
+        <a:gradFill rotWithShape="1">
+          <a:gsLst>
+            <a:gs pos="0">
+              <a:schemeClr val="phClr">
+                <a:satMod val="103000"/>
+                <a:lumMod val="102000"/>
+                <a:tint val="94000"/>
+              </a:schemeClr>
+            </a:gs>
+            <a:gs pos="50000">
+              <a:schemeClr val="phClr">
+                <a:satMod val="110000"/>
+                <a:lumMod val="100000"/>
+                <a:shade val="100000"/>
+              </a:schemeClr>
+            </a:gs>
+            <a:gs pos="100000">
+              <a:schemeClr val="phClr">
+                <a:lumMod val="99000"/>
+                <a:satMod val="120000"/>
+                <a:shade val="78000"/>
+              </a:schemeClr>
+            </a:gs>
+          </a:gsLst>
+          <a:lin ang="5400000" scaled="0"/>
+        </a:gradFill>
+      </a:fillStyleLst>
+      <a:lnStyleLst>
+        <a:ln w="6350" cap="flat" cmpd="sng" algn="ctr">
+          <a:solidFill>
+            <a:schemeClr val="phClr"/>
+          </a:solidFill>
+          <a:prstDash val="solid"/>
+          <a:miter lim="800000"/>
+        </a:ln>
+        <a:ln w="12700" cap="flat" cmpd="sng" algn="ctr">
+          <a:solidFill>
+            <a:schemeClr val="phClr"/>
+          </a:solidFill>
+          <a:prstDash val="solid"/>
+          <a:miter lim="800000"/>
+        </a:ln>
+        <a:ln w="19050" cap="flat" cmpd="sng" algn="ctr">
+          <a:solidFill>
+            <a:schemeClr val="phClr"/>
+          </a:solidFill>
+          <a:prstDash val="solid"/>
+          <a:miter lim="800000"/>
+        </a:ln>
+      </a:lnStyleLst>
+      <a:effectStyleLst>
+        <a:effectStyle>
+          <a:effectLst/>
+        </a:effectStyle>
+        <a:effectStyle>
+          <a:effectLst/>
+        </a:effectStyle>
+        <a:effectStyle>
+          <a:effectLst>
+            <a:outerShdw blurRad="57150" dist="19050" dir="5400000" algn="ctr" rotWithShape="0">
+              <a:srgbClr val="000000">
+                <a:alpha val="63000"/>
+              </a:srgbClr>
+            </a:outerShdw>
+          </a:effectLst>
+        </a:effectStyle>
+      </a:effectStyleLst>
+      <a:bgFillStyleLst>
+        <a:solidFill>
+          <a:schemeClr val="phClr"/>
+        </a:solidFill>
+        <a:solidFill>
+          <a:schemeClr val="phClr">
+            <a:tint val="95000"/>
+            <a:satMod val="170000"/>
+          </a:schemeClr>
+        </a:solidFill>
+        <a:gradFill rotWithShape="1">
+          <a:gsLst>
+            <a:gs pos="0">
+              <a:schemeClr val="phClr">
+                <a:tint val="93000"/>
+                <a:satMod val="150000"/>
+                <a:shade val="98000"/>
+                <a:lumMod val="102000"/>
+              </a:schemeClr>
+            </a:gs>
+            <a:gs pos="50000">
+              <a:schemeClr val="phClr">
+                <a:tint val="98000"/>
+                <a:satMod val="130000"/>
+                <a:shade val="90000"/>
+                <a:lumMod val="103000"/>
+              </a:schemeClr>
+            </a:gs>
+            <a:gs pos="100000">
+              <a:schemeClr val="phClr">
+                <a:shade val="63000"/>
+                <a:satMod val="120000"/>
+              </a:schemeClr>
+            </a:gs>
+          </a:gsLst>
+          <a:lin ang="5400000" scaled="0"/>
+        </a:gradFill>
+      </a:bgFillStyleLst>
+    </a:fmtScheme>
+  </a:themeElements>
+  <a:objectDefaults/>
+  <a:extraClrSchemeLst/>
+  <a:extLst>
+    <a:ext uri="{05A4C25C-085E-4340-85A3-A5531E510DB2}">
+      <thm15:themeFamily xmlns:thm15="http://schemas.microsoft.com/office/thememl/2012/main" name="Office Theme" id="{62F939B6-93AF-4DB8-9C6B-D6C7DFDC589F}" vid="{4A3C46E8-61CC-4603-A589-7422A47A8E4A}"/>
+    </a:ext>
+  </a:extLst>
+</a:theme>
+</file>
+
 <file path=ppt/webextensions/webextension1.xml><?xml version="1.0" encoding="utf-8"?>
-<we:webextension xmlns:we="http://schemas.microsoft.com/office/webextensions/webextension/2010/11" id="{7D90DC1D-085B-4C4A-8FAF-CE2600431332}">
+<we:webextension xmlns:we="http://schemas.microsoft.com/office/webextensions/webextension/2010/11" id="{47CC31DB-8F5E-40A5-A47B-97423C3D77E7}">
   <we:reference id="wa200003233" version="2.0.0.3" store="en-US" storeType="OMEX"/>
   <we:alternateReferences>
     <we:reference id="wa200003233" version="2.0.0.3" store="wa200003233" storeType="OMEX"/>
   </we:alternateReferences>
   <we:properties>
-    <we:property name="reportUrl" value="&quot;/groups/me/reports/f237a5c3-9703-4f0a-8830-25486038d895/ReportSection?bookmarkGuid=3cbab09c-046c-4232-9acc-e072af6c30fc&amp;bookmarkUsage=1&amp;ctid=101da587-1843-4f52-8b8a-17b069c66d33&amp;fromEntryPoint=export&quot;"/>
+    <we:property name="reportUrl" value="&quot;/groups/me/reports/f237a5c3-9703-4f0a-8830-25486038d895/ReportSectiona10235133431c9126672?bookmarkGuid=8d365854-de1b-4abf-add2-53a052044118&amp;bookmarkUsage=1&amp;ctid=101da587-1843-4f52-8b8a-17b069c66d33&amp;fromEntryPoint=export&quot;"/>
     <we:property name="reportName" value="&quot;dashboardfile&quot;"/>
     <we:property name="reportState" value="&quot;CONNECTED&quot;"/>
     <we:property name="embedUrl" value="&quot;/reportEmbed?reportId=f237a5c3-9703-4f0a-8830-25486038d895&amp;config=eyJjbHVzdGVyVXJsIjoiaHR0cHM6Ly9XQUJJLVVTLUVBU1QtQS1QUklNQVJZLXJlZGlyZWN0LmFuYWx5c2lzLndpbmRvd3MubmV0IiwiZW1iZWRGZWF0dXJlcyI6eyJtb2Rlcm5FbWJlZCI6dHJ1ZSwiYW5ndWxhck9ubHlSZXBvcnRFbWJlZCI6dHJ1ZSwiY2VydGlmaWVkVGVsZW1ldHJ5RW1iZWQiOnRydWUsInVzYWdlTWV0cmljc1ZOZXh0Ijp0cnVlLCJza2lwWm9uZVBhdGNoIjp0cnVlfX0%3D&amp;disableSensitivityBanner=true&quot;"/>
-    <we:property name="pageName" value="&quot;ReportSection&quot;"/>
-    <we:property name="pageDisplayName" value="&quot;Page 1&quot;"/>
+    <we:property name="pageName" value="&quot;ReportSectiona10235133431c9126672&quot;"/>
+    <we:property name="pageDisplayName" value="&quot;Trend Data&quot;"/>
     <we:property name="datasetId" value="&quot;d449d4ec-6fa9-450d-b8b6-2db3df3df04c&quot;"/>
     <we:property name="backgroundColor" value="&quot;rgb(255,255,255)&quot;"/>
-    <we:property name="lastRefreshTime" value="&quot;6/21/22, 7:32 PM&quot;"/>
-    <we:property name="bookmark" value="&quot;H4sIAAAAAAAAA+0b207jOPRXqrzwUlaxHefC2www2tGys7OAWK1WaHRiH7eZSZNuknboov772k4DtLQllHIRgPrg+Dj2ud8cLh2ZlMMUJl9ggM6e8zHPfwyg+NEhTtfJ5udCn1Hm+QwDX49IKLgb6VX5sEryrHT2Lp0Kih5WZ0k5gtRsqCf/Oe86kKZfoWeeFKQldp0hFmWeQZr8h/ViDaqKEU67Dl4M07wAs+VJBRWabcd6uX7WqJBfmD4RRJWM8QRFVc8e4zAvqua565T1yKI0D9MTKkkrvZ8ZxpPDi2GhcbxsSP1kgVEAbiRDrtBnIFziUjTHVpOhWbOvserlRSIgdSy+BZblbPP9PB0N7Ohwbv4kHxUCj1FZUFYl1UTvlGQikZhVZTwZ5FnVnyAUzlQz4WuRaxbZNWbu2xjSEVpIP/+5X6DGQDp7fHquZ8aWgfv6fUiyGWEEmRuAD1TymBKOXIS8Je1B7EJE40ihYlEQSkqVe037BzmGTOjDFwn/0OsV2IOGyYePzJXPzZpOPOn8blbZFZ9G2UzO7iKz3Gl3gVKiNKUMXWAiCjgXXPFglZRrxhk0zxpdpPq4Ih9YDs6MJ9Er15PRdU7t9u5Um8VffSzQvq+lJ5OGd1/y6jarPi+wr5y914Kx9YNFb4GLlnGdv2v+aoTOjJqZnfXWR4kmWNNuSLbat+dIzZIqGeAOdSnddfmuS05dd8/+dswO51Pzdz59fKuYw3xe0OS2oAEDzwsiFUpUkrkM5EpBzyP+a6J5UIj+5AjHmN4m4Ap+G9QgewZFUnuzmRgeyISZql1t66zjyw38nANNZ+d6woBnVDnXBrTeYsIwCCghoAKu3QJTjKHXwje8ES4u1UbXmkOZZL10FupsQLOj2hU4qXbb+30oKhNL4+86UhkHPW3CnMbr+414NlPXibX/N8bZN0NwY5DGoXadCAIG6DKfMOVTj/gsiFtG8/cY90Zi3HrXvImg05uCPsr1q0ZhTyFO8ZsIIaBBTHY99P1dL/LCXRCRtwtxEAVx7EsFspUebEPk6SLjWgtby9g9sitXwskdcHrUKMVtlXgjzmp53Os6AkQf5cF1eVkLN5EG1VLoUz/L2nIGQ41P2dhR8/RbktUbHaGq7m9im6jsckXqOsdJr29RWKNE1lXPF9MG5BhTfYU0k9U0k9dKM11NM3WMA7h8JXXye2nUojR6QlELKLEh92dS9WHcW5S0DqsqKQYoO/tm8T3k/V6gvBcoDytQVKikT1ExKZQfAKXcY6sLlLvs5kl7qC3Uv0wTgcWc7jsDLHpWMrpeAEvVsD4uwRqeSwtGS/TSeLJzoN+Q+c9sx5mVFKss6iqLfXTe1OJksfRjSX0ElBI4VxLXdI+fpStuAd9sBfQu0XW8qSUaxxFzPcCQ6jSICM5ZTO5joO0qRnGzYlwWsjbuDLROHR8ec6/KSrHI12PIfmitWhZQ1+WN2ShNa31YViM+bZKwhoRb7YVNteARG0TPoQa3GkrLeei9GDVo4yLW0LD+BkA7DxbEVKg4AuVyBpSH122m03z4pbWelKP43xHqPLG7SFYD0OM/m8H2/M4JptoTb9BnWu0QrnIslWCqq0t9yh+FxOJjnQQfJEVz/UwWiX0Wh2UQ1LLS6HAbHmruUCPtbbrybTT31hBliDAl/+qXr1RsKz3be/rXVQ51e4lSC4TW9JBfYA3b2i3dmeGd5kUGMrdVK/E45STww5CScLGEzZ/MTrfCiDqnJBG4AMBiJolAESjtlDevt95Iybq5EWw//n4Y9zrXrbmvWHQe0mcqtBINsEqETT22lgJtjaJVyfKJ6Q3LwzEsUbqXi77F2nzXZh7+0BtAlWtDYxt4qcqEr8OLTX3S2zLc2vVRJRApixA5xBEPfSLBoLaez3hRxfkCn81uHCPmRUIRVAGPFQ+ZYpvvxmKht/FRSF1hBy4B5oer3fJcXk0FQ0aJL5XvEeIGfmA/rXz2e/pHuZKfbzm1uKUlfP0tLPHvgAd3wMM74NGaW94nbVeuqMxf9h0T2cA1CihkS79IHzFX2xb9tfMKvUCnbYCcC9T27oXIsaWDkDFAHCtFGCHma0bfdR/4fcdrchCP+hnHu4G/G3hLAzcZhATi+jz2XXDdGNxg03zCphTLLijyUVUOQeBXyHDJRYVWFcgkytl41WWF/U8Mxx6isUlmfZQ2L9SXCtP/ASd5uhk6MgAA&quot;"/>
-    <we:property name="initialStateBookmark" value="&quot;H4sIAAAAAAAAA+0b207jOPRXqrzwUlZ2nCtvDDDa0TAwC4jVaoXQiX3cZidNuknaoYv672s7DdDShlAKg4ARD4mPc3zuN3euLREXwwQmRzBAa8f6lGU/BpD/6FCra6WztePjr992T75eHu1+O1DL2bCMs7Swdq6tEvIeludxMYJEY1CLf190LUiS79DTbxKSArvWEPMiSyGJ/8NqswKV+QinXQuvhkmWg0Z5WkKJGu1YbVfv6mz6G1MnAi/jMZ4iL6vVExxmeVm/d62iejIkzcPUgoyTUuHTj9Hk4GqYKxqva94+G2DoAwlF4Er0GHBCiY362HIy1Hv2FFW9LI85JJahN8eimCHfy5LRwDwdzK2fZqOc4wlKA0rLuJwoTHHKY4FpWUSTQZaW/QlCbk2VEL7nmRKR2aPXLseQjNBA+tnPvRwVBcLacacXamVsBLinvoc4nTFGkREfPLCFG9nURZcHbkve/YhAaEehRMlCPxC2Lckt77tiDClXhy8yvtvr5diDWsgHzyyVL/WeTjTpfNO7zI7Po3SmZ7IoLDLtLnBKpeKUIQHGQ991uStdf5WWK8FpMs9rW7TVcXk2MBKceUusdjaz0bXODHoyVW7xZx9zNN8r7Ym4lt1RVt4X1ZcF8RWz71oItnox5C1I0Qiu81clX0XQuTYzjVmhPowVw4p3zbKxvh1LKJGU8QC3bGLb28TdJvSMkB3zt6UxXEz1v4vp83vFHOXziqb3FQ3oO44fykCgFIwwECsVPU/477GSQc77k0McY3KfgRv4fVBN7DnkcRXNZmp4ohBmpnaD1mqSyx36rH3FZ+d2QYNnXFm3DtTsMUHg+zalIH1XhQUmGUOnRWx4J1Jcao3EuEMRp71klupMQjNPVSiwEhW29/qQlzqXRv+oTKUD9LROc4quf+7ks5m5Toz/vzPJvhuGa4fUAbVrheAzQMI8yqRnO9RjftQym3/kuHeS45pD8zqKTu4q+jBTn2qDPYMowUsegG/7Ed120PO2ndAJtoGHzjZEfuhHkSckiFZ2sAmVJ4uCa61spWNyaHauhNMH4PZhbRT3TeKdBKvlea9rceB9FPu3/WSl3FhoUguuTv0iKs8ZDBU9Re1H9dvXOK0QHaIsH+9i65jsckPqWidxr29IaDAiE6rnu2cNsrSrvkGe6Wqe6Vvl2V7Ns23pAHD9Rvrkj9aoRWv0gqrmUGDN7s+47MO4t6hplVZlnA9QdPb05kfo+6NB+WhQntagyEAKz0bJBJeeD7btOmx1g/KQ37zoDLWF+RdJzDGfs31rgHnPaEb1C2C4GlbHxVjBM2HAaJhemk+29tUXIvuZblmzlmKVR91Usc8um0qdLBJeJGwPAYUA15UCG6bHv2QqbgCXpgP60GiTbCqNRlHIiAMY2KoMotx1WUQf46DtOkZ+t2NclrLWngy0Lh2fnnNv2kq+KNcTSH8oq1qWUJvqxnSUJJU9LOsRX7ZIaGDh3nhhXSt4xgHRrzCDewOl5TJ0Xo0ZtAkRDTw03wCo4MH8yOYyCkESl4HtBrdjprNseNTaTopR9O8IVZ3YXWSrBqjnP+qHzcWdU0xUJF5jzrQ6INzUWDLGRHWX6pTjXGD+qSqC9+O8vn6mi8z+koClCVS6UuS4Jj1U0rG1tjcZyjcx3GtgSjOhW/7VH9+Y2EZmto+Mr6sC6uYKpRYENcyQX2EP2zosPVjhnWV5CiIzXSt1XNulvhcENg0WW9jsxfx0I4KoakoaAgEAFjFBOXJfqqC8fr/1TlrW9Z1g8/l3d9zr3I7mvmPeecqcKVdGNMAy5qb02FgJtDGOVhXLp3o2LA7GsMToXi/5hmr9uzb9cqwQQJkpR2NrRKlSp6+Dq3Vj0vty3Cr02ZIj2ixEdCEK3cCjAjRpzXLGqzLKFuSssbkYMifkkqL03Ui6AZNsfWws4gqNh1yoDtsnFJgXrA7Lc3W1zRkym3pCeg6lxPd8Er6Ge/pnuZKfHzm1uKWlbvMtLPUegPsPwIMH4GHDLe+LjitXdOav+46JrhEaOeSiZVy0n7FW2xT/VfAKHF+VbYCuy1H5uxOgiy0DhIgAokhKyijVv2b0CHni7zveUoB41p9xfDj4h4O3dHBdQQigxHMjjwAhERB/3XrClBTLLiiyUVkMgeN3SHHJRYUyFUgFitnzqssK8z8xLHOIoiaezVHafFBdKkz/B0PCVecrMgAA&quot;"/>
+    <we:property name="lastRefreshTime" value="&quot;6/26/22, 8:07 PM&quot;"/>
+    <we:property name="bookmark" value="&quot;H4sIAAAAAAAAA+1a608bORD/V5C/9Es42d6Hd/lGgeqq0oco4nQ6ocqP2cTtZjfyOik5lP/9bO+mNIEk2/bo9QAE0toztmd+8/Lsco2UbiYln7/hY0AH6Hldfxpz82mPoAGqurm3b1+9Pjx79eHN4esTN11PrK6rBh1cI8vNEOyFbqa89Du4yb8uB4iX5Ts+9KOClw0M0ARMU1e81H9Dy+xI1kxhMUBwNSlrw/2W7y234LedOXY3dmeT3yJ3IpdWz+A9SNvOnsGkNrYbc4JplJAoiiMic0LTlFG3pmmpQczd/I6p0KV15/pHMT+5mhiny/USgxeBmDOOc5UlBaQRl9htBF48O594niMn/bA2WvISBb0MNK0a1+ioLqfj8HSyMv++nhoJZ1AEUmW1nbuddCW1gso2Yj6uKzuaAzdo4cB6Z2oHZeDxcx9mvJxCoIzqz0cGnAQKHSSLSzczC0AfufVcV51iBY1ZEUdRIiVXgGkqsr66M4F5TkVeQBHlLFOUFvhG90M145V0h68rfjgcGhhy2w1P7hmVl0uePTHfe+25AseLadX5Dl4HCy8Ga5qSwmkaAeaRzFmSyKRI2CYrt8B5MS+WPkvdcaYeBwS7qNKOc7saA3QetscLFz5/jMBAWO+sp/QSuze1vQ3VyzX4mm5dD2DbQRBvDcUA3N6fLb5OoAvvZn5nt/Wpdgo73b3KwfsOkHKQWD2GZxRTuo+TfUzOMT4Iv8/8DpcL/3O5uP+oWJF81dDktqE5sDhmeZEpKFSEI642GnpV8N+1w8DI0fwUZlDeVuAL/TZpKewFN7rNep0ZfhCEztW+bIu24fKVfOjY6bl3M+HJnVboJoC2R0yWMUYJ4QVLXFqIiiiCuEdueCQo3umNOIRDo6th2ZXEUPjCU5sKUOnS9tGIG+trrvjoqpdP0ItlOXRyffyqxnXuOg/x/8iQfTQKLwPSJ9QBijHNeJ5nAggkGMeuouc9q/lTjXskNW57av4eQ5dfG/q0dku9w55zUcIHmXFGmSD7MaTpfpzH2T6XebzPBcuZEKkquOrlB/+Gyct14Hob29kYnwbOjXSyg05Pl05x2yUeSbK6u+4NkORyBOr4pu9sjauVF7WR7tSXqo2c8cTJ0yzjaDl6pat2o1Mo7LeH2Pe47N2ONEBnejgKImxxopCqV7tsT0I+VB+gzmSzzuSh6kw360yRTwDXD6RPfmqNerRGP9HUkjewVPeztiM+G65b2pXVQpsxqL0jz/wN9n5qUJ4alB9rUCLBFcYpiFzgmDGicAw9GxQqI4gocWk5jQnBLGWut/kFGpR76UVW3uX2uZ6SZPv1k6Q76GwHPdtBz7dcb3/qu27yfyyu5DuSreRGrefZ2igwz9uMeqzN8vuIc/6TX11/nyEGiBYyIZFQ0gU4MBZjrHDPBKEE50IUBYkI8a9xU4x/sLF9SAniXvvXpwB/CvCeAZ7mkLGEZFmaZSqPqZBShvZvGxIWrqyor1bBCPcJFqUiSWTmdskZFcDplnTxn3yW3fJyrocPnOsx+Fs18Z+lcnftcX94BQc0BjMMl6ih4dW0dJc32/rHpBVCQ3OLeh3U3tC/4mPUvbrc7HBk3eHuGbhWGJxzwpJIUiJonhCiFNCdzsODyM+n1oYb7YoHBSe6C8t6apsJl/COV3AHmA49XilQO5AM/+yAwiFOJC1K6LugvTAv/gHPHX/8jiEAAA==&quot;"/>
+    <we:property name="initialStateBookmark" value="&quot;H4sIAAAAAAAAA+1a608bORD/V5C/9Es42d6Hd/lGgeqq0oco4nQ6ocqP2cTtZjfyOik5lP/9bO+mNIEk2/bo9QAE0toztmd+8/Lsco2UbiYln7/hY0AH6Hldfxpz82mPoAGqurm3b1+9Pjx79eHN4esTN11PrK6rBh1cI8vNEOyFbqa89Du4yb8uB4iX5Ts+9KOClw0M0ARMU1e81H9Dy+xI1kxhMUBwNSlrw/2W7y234LedOXY3dmeT3yJ3IpdWz+A9SNvOnsGkNrYbc4JplJAoiiMic0LTlFG3pmmpQczd/I6p0KV15/pHMT+5mhiny/USgxeBmDOOc5UlBaQRl9htBF48O594niMn/bA2WvISBb0MNK0a1+ioLqfj8HSyMv++nhoJZ1AEUmW1nbuddCW1gso2Yj6uKzuaAzdo4cB6Z2oHZeDxcx9mvJxCoIzqz0cGnAQKHSSLSzczC0AfufVcV51iBY1ZEUdRIiVXgGkqsr66M4F5TkVeQBHlLFOUFvhG90M145V0h68rfjgcGhhy2w1P7hmVl0uePTHfe+25AseLadX5Dl4HCy8Ga5qSwmkaAeaRzFmSyKRI2CYrt8B5MS+WPkvdcaYeBwS7qNKOc7saA3QetscLFz5/jMBAWO+sp/QSuze1vQ3VyzX4mm5dD2DbQRBvDcUA3N6fLb5OoAvvZn5nt/Wpdgo73b3KwfsOkHKQWD2GZxRTuo+TfUzOMT4Iv8/8DpcL/3O5uP+oWJF81dDktqE5sDhmeZEpKFSEI642GnpV8N+1w8DI0fwUZlDeVuAL/TZpKewFN7rNep0ZfhCEztW+bIu24fKVfOjY6bl3M+HJnVboJoC2R0yWMUYJ4QVLXFqIiiiCuEdueCQo3umNOIRDo6th2ZXEUPjCU5sKUOnS9tGIG+trrvjoqpdP0ItlOXRyffyqxnXuOg/x/8iQfTQKLwPSJ9QBijHNeJ5nAggkGMeuouc9q/lTjXskNW57av4eQ5dfG/q0dku9w55zUcIHmXFGmSD7MaTpfpzH2T6XebzPBcuZEKkquOrlB/+Gyct14Hob29kYnwbOjXSyg05Pl05x2yUeSbK6u+4NkORyBOr4pu9sjauVF7WR7tSXqo2c8cTJ0yzjaDl6pat2o1Mo7LeH2Pe47N2ONEBnejgKImxxopCqV7tsT0I+VB+gzmSzzuSh6kw360yRTwDXD6RPfmqNerRGP9HUkjewVPeztiM+G65b2pXVQpsxqL0jz/wN9n5qUJ4alB9rUCLBFcYpiFzgmDGicAw9GxQqI4gocWk5jQnBLGWut/kFGpR76UVW3uX2uZ6SZPv1k6Q76GwHPdtBz7dcb3/qu27yfyyu5DuSreRGrefZ2igwz9uMeqzN8vuIc/6TX11/nyEGiBYyIZFQ0gU4MBZjrHDPBKEE50IUBYkI8a9xU4x/sLF9SAniXvvXpwB/CvCeAZ7mkLGEZFmaZSqPqZBShvZvGxIWrqyor1bBCPcJFqUiSWTmdskZFcDplnTxn3yW3fJyrocPnOsx+Fs18Z+lcnftcX94BQc0BjMMl6ih4dW0dJc32/rHpBVCQ3OLeh3U3tC/4mPUvbrc7HBk3eHuGbhWGJxzwpJIUiJonhCiFNCdzsODyM+n1oYb7YoHBSe6C8t6apsJl/COV3AHmA49XilQO5AM/+yAwiFOJC1K6LugvTAv/gHPHX/8jiEAAA==&quot;"/>
     <we:property name="isFooterCollapsed" value="true"/>
     <we:property name="isFiltersActionButtonVisible" value="false"/>
-    <we:property name="reportEmbeddedTime" value="&quot;2022-06-22T00:45:07.301Z&quot;"/>
+    <we:property name="reportEmbeddedTime" value="&quot;2022-06-27T01:16:12.638Z&quot;"/>
     <we:property name="creatorTenantId" value="&quot;101da587-1843-4f52-8b8a-17b069c66d33&quot;"/>
   </we:properties>
   <we:bindings/>
@@ -8962,21 +10979,21 @@
     <we:reference id="wa200003233" version="2.0.0.3" store="wa200003233" storeType="OMEX"/>
   </we:alternateReferences>
   <we:properties>
-    <we:property name="reportUrl" value="&quot;/groups/me/reports/f237a5c3-9703-4f0a-8830-25486038d895/ReportSectiona5c837faae8127ae8b26?bookmarkGuid=f74e17e6-1eac-45a4-b115-e9c3a58cf346&amp;bookmarkUsage=1&amp;ctid=101da587-1843-4f52-8b8a-17b069c66d33&amp;fromEntryPoint=export&quot;"/>
+    <we:property name="backgroundColor" value="&quot;rgb(255,255,255)&quot;"/>
+    <we:property name="bookmark" value="&quot;H4sIAAAAAAAAA+1ZbU/bSBD+K5a/9It18kvsOHwDCqeTWg6VilN1Qmi8O062tb3W7jrXHOK/d3btCBIg5KBw3ClfEPs28+zzzM5MkiufC91WsDiBGv09/0DKbzWob17kB36zOpeUZZyMEhazgqdjjJGHjHbJ1gjZaH/vyjegpmjOhe6gsgZp8s+LwIeqOoWpHZVQaQz8FpWWDVTib+w305JRHV4HPn5vK6nAmjwzYNCandN2GhOU6JeEPAIzYo5nyEw/+wlbqcwwhpTlybgEwDyKx/S3iDM6o/tVB/Px/dapA3YoGwOiIQB2Lo0hnUAUjkZFOGKQsKhI7LwWzbQarnJz9vOitfSBc3PQGUNgia7iKzm25q6v6b4THqWTJGVJkWRxGKeAzJksRWUGr8Xi6HuriMqrpSLHbjHDKB0hTHIIMU2jPAx5Tg5M7/aQyJtKJRhBCgZz1tr5ksw48I+VrJ3dQX0r51FjhFnYgRI1WmOaZvu7hNek5h8zVOhOETlc9Bpc+b+5vxYpat0z7bZUXb22YkdnslMMP2F5M3D+LSWnSlKAOAzLQLl0YGiV/J9D1bnIIvMfBN2q59xN05F3J/Kd3XhB9F70AXXL71Z47qPgMWCBP5N/HSok1rm/F10Ha2KF47LMACaTjHQKI8ii+JliydtiybLERiNHzYpFTUE7WyCoVxNOrvMz4Lm0gLaT7T1qSgHurXhSeefQcEoQuvZk6S0NO2GDBwx8BEOTdvsnZFLxjZs/z7A0nqXU+yiN9YczwSrceOgEFJNGMO9cyMqlKP3TQu0BATfTuhp04Z2gYxyLyajMiqSIohHj4zDhbyPoTqS5y8yLRKKFdDl3Em4Th5SD4w9LUV9L1hWM94g6CLbP59AwtBKuYtqfThVOYUnu0YsDFg0THBtzyWTXGLd63DVDPQ7v3sHSuLFIsqrTpAXyHu3hDJRZLZY0UBzVwcIFxXuhluU/CtYu9ubYsGHX9yx06OutRmR4gYvt4/x5+eLCtRwhliVHCOMkS9MwSyd5VOxajue0HF/w5xWCXc/xej2HzRQwt/R5+1pDV5mN9f8YalEtvN97PzrwTmQzp1aAnv7Gc2eibitccbFrGXYtw65l2LUM/5GWoeATRjWkDJN8HI+KMAaq+9u1DFjmKYdRErIxK5LxOCow3rUMb+dbiscSxT/D4r4vY6ZY3BdaX5Zz/2a22ojwlBkq6t6wZ+1Zjp6QpIxCrKF9al568crxYJ75VcmufUKS2SYA+pyS5mVGH0SKNM9ZxhPOxzjZ5ZT/x8eQXVJZSyqHldS4yysvn1dcarnhxK9RTd2PSLIzugWGp9D0b7jtzwt0+yg0oOGWffe/Sxj3vDH3A5bvnJAeoqhw2wMDvB9dVX9AcRsAAA==&quot;"/>
+    <we:property name="creatorTenantId" value="&quot;101da587-1843-4f52-8b8a-17b069c66d33&quot;"/>
+    <we:property name="datasetId" value="&quot;d449d4ec-6fa9-450d-b8b6-2db3df3df04c&quot;"/>
+    <we:property name="embedUrl" value="&quot;/reportEmbed?reportId=f237a5c3-9703-4f0a-8830-25486038d895&amp;config=eyJjbHVzdGVyVXJsIjoiaHR0cHM6Ly9XQUJJLVVTLUVBU1QtQS1QUklNQVJZLXJlZGlyZWN0LmFuYWx5c2lzLndpbmRvd3MubmV0IiwiZW1iZWRGZWF0dXJlcyI6eyJtb2Rlcm5FbWJlZCI6dHJ1ZSwiYW5ndWxhck9ubHlSZXBvcnRFbWJlZCI6dHJ1ZSwiY2VydGlmaWVkVGVsZW1ldHJ5RW1iZWQiOnRydWUsInVzYWdlTWV0cmljc1ZOZXh0Ijp0cnVlLCJza2lwWm9uZVBhdGNoIjp0cnVlfX0%3D&amp;disableSensitivityBanner=true&quot;"/>
+    <we:property name="initialStateBookmark" value="&quot;H4sIAAAAAAAAA+1Z32/bOAz+Vwy/7MU4+Efs2H1LuxY4bE2LdsjhcBgCWqITbbYVyHJuuSD/+yg5QZusSwNk63VDXoyIokiKH0l/cJYuF82shMUQKnTP3HMpP1egPjuB67n1WnZz8+56cPduPBxcX5JYzrSQdeOeLV0NaoJ6JJoWSmOBhP989Fwoy1uYmFUBZYOeO0PVyBpK8R92yrSlVYsrz8Uvs1IqMCbvNWg0ZuekTmvyHfwRkUdgWszxHpnupHc4k0qv1xCzNOoXAJgGYZ+eeZjQmabbtWE+r2+c2sAuZK1B1BSAkcVpkRQFz+M0ZQmPOO9jZuSFKPVaJV9cfpkpuvdyk68ru4lFGnPoRT7rszzq94McQwpLL2ZG54JuOpFKMChJ2Jkz1kabm4eee6VkZe2usWGkeVlroRdmoUSFxlhD0g/WqL+i1P81Jdf2FN2Eiy5hS/dP+zSRYtN0abEqZVvt7JjVvWwVwzssHhbW/4rwulWS0LQxbFAd22Bol/yPoGxtGZD594JuRRc09zJiOvLmb2zeGM2PK3p08D9yfFBAT+Xgucg8dyr/vVBIaefuWbDylhskBnwONSPpbiyDyUThBDYZvDwiUFkUWDfIsWH5oqIKmy4Q1G7QomaCY63HTLa1trtXbb2ueX/3Dv4hd/gZYRrZeG7x/DYmA2kj6km57vOHxupq1OWybvXFFJQ2kyT/RD1p2oiOScVRnS9sYb4VatPsgfcCqd+6kynjbuKQxqdHY2TdtIvDe+eYMEyHeK6PNH8Q/DBK4thP4iwN8gMnUIJB3EPIUvAxjoPU93l6mkCvaAJtoeX3iyIByLKEgPIDSILwSLTkY7S+U4AvhZzczc86nrEJ6DDczDyGuUmfM2gaaEttYfS+o34FlSgXzk3np/GcoaznQpY0YPeeuxfVrMQtFz+iUg4bADtZeWLib9UM45hnvSLJozwIeoz3/Yi/jpoZSv1tZn5KIW3PzGfLKPTD8P0G1JeCde8r83egIs++9lnZNoYU8y7aowjAq8vG/0cYdqeopQxxCHEGgd/r5X6PQcSCPDK29wIENurzVmuKagsYYzLjQZxFMYvyKKEOigFZdGIhx7CQoTyRkF+QhLzFRqvW9oojlTOCmkMpmsqRhbMxvJdeXIMmoVG/Q0YTb6/yhykW2jEpda6lNv5wKliJew8NQTGpBXNGxHbslPxxfPfEYk4s5sRiTizmBVhMzjNGL6HCj9J+SEwmBOINh1GO06fX1005fvlBcfry+tt/ebUz6CFLboVqYv+bkq1uZsDwFuqu2WedFYFWj6qAOKGBxP62k+WJZrT/i7nWCYEk8hIPPbAO7ysqih/yuRsAAA==&quot;"/>
+    <we:property name="isFiltersActionButtonVisible" value="false"/>
+    <we:property name="isFooterCollapsed" value="true"/>
+    <we:property name="lastRefreshTime" value="&quot;6/26/22, 8:07 PM&quot;"/>
+    <we:property name="pageDisplayName" value="&quot;Cases by Contact Type&quot;"/>
+    <we:property name="pageName" value="&quot;ReportSectiona5c837faae8127ae8b26&quot;"/>
+    <we:property name="reportEmbeddedTime" value="&quot;2022-06-22T02:09:15.479Z&quot;"/>
     <we:property name="reportName" value="&quot;dashboardfile&quot;"/>
     <we:property name="reportState" value="&quot;CONNECTED&quot;"/>
-    <we:property name="embedUrl" value="&quot;/reportEmbed?reportId=f237a5c3-9703-4f0a-8830-25486038d895&amp;config=eyJjbHVzdGVyVXJsIjoiaHR0cHM6Ly9XQUJJLVVTLUVBU1QtQS1QUklNQVJZLXJlZGlyZWN0LmFuYWx5c2lzLndpbmRvd3MubmV0IiwiZW1iZWRGZWF0dXJlcyI6eyJtb2Rlcm5FbWJlZCI6dHJ1ZSwiYW5ndWxhck9ubHlSZXBvcnRFbWJlZCI6dHJ1ZSwiY2VydGlmaWVkVGVsZW1ldHJ5RW1iZWQiOnRydWUsInVzYWdlTWV0cmljc1ZOZXh0Ijp0cnVlLCJza2lwWm9uZVBhdGNoIjp0cnVlfX0%3D&amp;disableSensitivityBanner=true&quot;"/>
-    <we:property name="pageName" value="&quot;ReportSectiona5c837faae8127ae8b26&quot;"/>
-    <we:property name="pageDisplayName" value="&quot;Page 2&quot;"/>
-    <we:property name="datasetId" value="&quot;d449d4ec-6fa9-450d-b8b6-2db3df3df04c&quot;"/>
-    <we:property name="backgroundColor" value="&quot;rgb(255,255,255)&quot;"/>
-    <we:property name="lastRefreshTime" value="&quot;6/21/22, 7:32 PM&quot;"/>
-    <we:property name="bookmark" value="&quot;H4sIAAAAAAAAA+1Z227bOBD9FUEvfREWuli3vCVpAizQeoOk8GKxKIIRObLZSqJAUd56Df/7Dikbid3UMeA2mxZ+EczhcOZwbjqQly4XXVvBYgw1umfuhZSfa1CfncD13GZbhjAKIY98jLgfRXE6Aj8hLdlqIZvOPVu6GtQU9UR0PVTGIAn//ui5UFU3MDWrEqoOPbdF1ckGKvEvDsq0pVWPK8/FL20lFRiTdxo0GrNzUqc1QQl+i8gjMC3meIdMD9JbbKXS6zXELIvSEgCzIEzpWYQGZTfsWpjP6xunFtilbDSIhgAYWZyVSVnyIs4ylvCI8xRzIy9FpdcqxeLqS6vo3stN+K7tJpZZzGEU+SxlRZSmQYEhwdKL1uhc0k2nUgkGFQkHc8baZHPz0HOvlayt3XWqGGleNVrohVkoUaMx1pH0gzXqryj0f87ItT1FN+FiCNjS/d0+DVLsuiEsVqXq650ds7qTvWJ4i+XDwvpfUb5ulKRsWgybrN5bMLRL/idQ9bYMyPw7QbeiC5p7GTEdefMXdm+M5scVPYb0P3J8EKCnYvAcMs+dyX8uFVLYuXsWrLzlJhPnfA4NI+kulvPpVOEUNhG8OgKoLEtsOuTYsWJRU4XNFghqF7RomODY6Hsm+0bb3eu+Wde8v3sH/5A7/AiYRnY/t/n8GpNJaSeaabXu84fGGmrU5bLp9eUMlDaTpPhEPWnaiI5JxVFdLGxhvhVq0+yB9wKh37qTKeNh4pDGp0djZN20i8N75xgYpkM810eaPwh+GCVx7CdxngXFgRMowSAeIeQZ+BjHQeb7PDtNoFc0gbay5adlmQDkeUKJ8gNIgvDIbMnH2fpGAb5U5uRufNZ47g2gw/Jm5jHMTfic866DvtI2jd431K+hFtXC+WPw03nOWDZzISsasHvP3Ym6rXDLxfeolMMGwE5Unpj4WzXDOBb5qEyKqAiCEeOpH/HXUTNjqb+OzA8ppO2Z+WwZhX4Yvtsk9aXSuveV+StQkWdf+6zqO0OK+YD2KALw6qLx/xGG3SlqKUMcQpxD4I9GhT9iELGgiIztvQkCi/qi15pQbSXGmMx5EOdRzKIiSqiDYkAWnVjIMSxkLE8k5CckIW+x06q3veJI5Uyg4VCJrnZk6WwM76UX70GT0KjfIqOJt1f5wwxL7ZiQOu+lNv5wJliFew+NQTGpBXMmxHbslPx+fPfEYk4s5sRiTizmBVhMwXNGL6HSj7I0JCYTAvGGwyjH6dPr66YcP/2gOH15/eW/vNoZ9BAlt0Y1tf9NyV53LTC8gWZo9nawItDqURUQJzQpsb/tZHmiGe3/Yq51QkkSRYWHHljD+w+a+HrVyBsAAA==&quot;"/>
-    <we:property name="initialStateBookmark" value="&quot;H4sIAAAAAAAAA+1Z32/bOAz+Vwy/7MU4+Efs2H1LuxY4bE2LdsjhcBgCWqITbbYVyHJuuSD/+yg5QZusSwNk63VDXoyIokiKH0l/cJYuF82shMUQKnTP3HMpP1egPjuB67n1WnZz8+56cPduPBxcX5JYzrSQdeOeLV0NaoJ6JJoWSmOBhP989Fwoy1uYmFUBZYOeO0PVyBpK8R92yrSlVYsrz8Uvs1IqMCbvNWg0ZuekTmvyHfwRkUdgWszxHpnupHc4k0qv1xCzNOoXAJgGYZ+eeZjQmabbtWE+r2+c2sAuZK1B1BSAkcVpkRQFz+M0ZQmPOO9jZuSFKPVaJV9cfpkpuvdyk68ru4lFGnPoRT7rszzq94McQwpLL2ZG54JuOpFKMChJ2Jkz1kabm4eee6VkZe2usWGkeVlroRdmoUSFxlhD0g/WqL+i1P81Jdf2FN2Eiy5hS/dP+zSRYtN0abEqZVvt7JjVvWwVwzssHhbW/4rwulWS0LQxbFAd22Bol/yPoGxtGZD594JuRRc09zJiOvLmb2zeGM2PK3p08D9yfFBAT+Xgucg8dyr/vVBIaefuWbDylhskBnwONSPpbiyDyUThBDYZvDwiUFkUWDfIsWH5oqIKmy4Q1G7QomaCY63HTLa1trtXbb2ueX/3Dv4hd/gZYRrZeG7x/DYmA2kj6km57vOHxupq1OWybvXFFJQ2kyT/RD1p2oiOScVRnS9sYb4VatPsgfcCqd+6kynjbuKQxqdHY2TdtIvDe+eYMEyHeK6PNH8Q/DBK4thP4iwN8gMnUIJB3EPIUvAxjoPU93l6mkCvaAJtoeX3iyIByLKEgPIDSILwSLTkY7S+U4AvhZzczc86nrEJ6DDczDyGuUmfM2gaaEttYfS+o34FlSgXzk3np/GcoaznQpY0YPeeuxfVrMQtFz+iUg4bADtZeWLib9UM45hnvSLJozwIeoz3/Yi/jpoZSv1tZn5KIW3PzGfLKPTD8P0G1JeCde8r83egIs++9lnZNoYU8y7aowjAq8vG/0cYdqeopQxxCHEGgd/r5X6PQcSCPDK29wIENurzVmuKagsYYzLjQZxFMYvyKKEOigFZdGIhx7CQoTyRkF+QhLzFRqvW9oojlTOCmkMpmsqRhbMxvJdeXIMmoVG/Q0YTb6/yhykW2jEpda6lNv5wKliJew8NQTGpBXNGxHbslPxxfPfEYk4s5sRiTizmBVhMzjNGL6HCj9J+SEwmBOINh1GO06fX1005fvlBcfry+tt/ebUz6CFLboVqYv+bkq1uZsDwFuqu2WedFYFWj6qAOKGBxP62k+WJZrT/i7nWCYEk8hIPPbAO7ysqih/yuRsAAA==&quot;"/>
-    <we:property name="isFooterCollapsed" value="true"/>
-    <we:property name="isFiltersActionButtonVisible" value="false"/>
-    <we:property name="reportEmbeddedTime" value="&quot;2022-06-22T02:09:15.479Z&quot;"/>
-    <we:property name="creatorTenantId" value="&quot;101da587-1843-4f52-8b8a-17b069c66d33&quot;"/>
+    <we:property name="reportUrl" value="&quot;/groups/me/reports/f237a5c3-9703-4f0a-8830-25486038d895/ReportSectiona5c837faae8127ae8b26?bookmarkGuid=f74e17e6-1eac-45a4-b115-e9c3a58cf346&amp;bookmarkUsage=1&amp;ctid=101da587-1843-4f52-8b8a-17b069c66d33&amp;fromEntryPoint=export&quot;"/>
   </we:properties>
   <we:bindings/>
   <we:snapshot xmlns:r="http://schemas.openxmlformats.org/officeDocument/2006/relationships" r:embed="rId1"/>
